--- a/Documentation/Presentation.pptx
+++ b/Documentation/Presentation.pptx
@@ -3004,12 +3004,41 @@
           <a:p>
             <a:r>
               <a:rPr lang="en-US" dirty="0" smtClean="0"/>
-              <a:t>Prototype and Core System</a:t>
-            </a:r>
-            <a:endParaRPr lang="en-US" dirty="0"/>
-          </a:p>
-        </p:txBody>
-      </p:sp>
+              <a:t>By MagiDev</a:t>
+            </a:r>
+          </a:p>
+        </p:txBody>
+      </p:sp>
+      <p:pic>
+        <p:nvPicPr>
+          <p:cNvPr id="4" name="Picture 3"/>
+          <p:cNvPicPr>
+            <a:picLocks noChangeAspect="1"/>
+          </p:cNvPicPr>
+          <p:nvPr/>
+        </p:nvPicPr>
+        <p:blipFill>
+          <a:blip r:embed="rId2" cstate="print">
+            <a:extLst>
+              <a:ext uri="{28A0092B-C50C-407E-A947-70E740481C1C}">
+                <a14:useLocalDpi xmlns:a14="http://schemas.microsoft.com/office/drawing/2010/main" val="0"/>
+              </a:ext>
+            </a:extLst>
+          </a:blip>
+          <a:stretch>
+            <a:fillRect/>
+          </a:stretch>
+        </p:blipFill>
+        <p:spPr>
+          <a:xfrm>
+            <a:off x="4542526" y="4276346"/>
+            <a:ext cx="3106947" cy="1786495"/>
+          </a:xfrm>
+          <a:prstGeom prst="rect">
+            <a:avLst/>
+          </a:prstGeom>
+        </p:spPr>
+      </p:pic>
     </p:spTree>
     <p:extLst>
       <p:ext uri="{BB962C8B-B14F-4D97-AF65-F5344CB8AC3E}">

--- a/Documentation/Presentation.pptx
+++ b/Documentation/Presentation.pptx
@@ -6,6 +6,12 @@
   </p:sldMasterIdLst>
   <p:sldIdLst>
     <p:sldId id="256" r:id="rId2"/>
+    <p:sldId id="261" r:id="rId3"/>
+    <p:sldId id="257" r:id="rId4"/>
+    <p:sldId id="262" r:id="rId5"/>
+    <p:sldId id="258" r:id="rId6"/>
+    <p:sldId id="259" r:id="rId7"/>
+    <p:sldId id="260" r:id="rId8"/>
   </p:sldIdLst>
   <p:sldSz cx="12192000" cy="6858000"/>
   <p:notesSz cx="6858000" cy="9144000"/>
@@ -3052,6 +3058,442 @@
 </p:sld>
 </file>
 
+<file path=ppt/slides/slide2.xml><?xml version="1.0" encoding="utf-8"?>
+<p:sld xmlns:a="http://schemas.openxmlformats.org/drawingml/2006/main" xmlns:r="http://schemas.openxmlformats.org/officeDocument/2006/relationships" xmlns:p="http://schemas.openxmlformats.org/presentationml/2006/main">
+  <p:cSld>
+    <p:spTree>
+      <p:nvGrpSpPr>
+        <p:cNvPr id="1" name=""/>
+        <p:cNvGrpSpPr/>
+        <p:nvPr/>
+      </p:nvGrpSpPr>
+      <p:grpSpPr>
+        <a:xfrm>
+          <a:off x="0" y="0"/>
+          <a:ext cx="0" cy="0"/>
+          <a:chOff x="0" y="0"/>
+          <a:chExt cx="0" cy="0"/>
+        </a:xfrm>
+      </p:grpSpPr>
+      <p:sp>
+        <p:nvSpPr>
+          <p:cNvPr id="2" name="Title 1"/>
+          <p:cNvSpPr>
+            <a:spLocks noGrp="1"/>
+          </p:cNvSpPr>
+          <p:nvPr>
+            <p:ph type="title"/>
+          </p:nvPr>
+        </p:nvSpPr>
+        <p:spPr/>
+        <p:txBody>
+          <a:bodyPr/>
+          <a:lstStyle/>
+          <a:p>
+            <a:r>
+              <a:rPr lang="en-US" dirty="0" smtClean="0"/>
+              <a:t>Art Theme</a:t>
+            </a:r>
+            <a:endParaRPr lang="en-US" dirty="0"/>
+          </a:p>
+        </p:txBody>
+      </p:sp>
+      <p:sp>
+        <p:nvSpPr>
+          <p:cNvPr id="3" name="Content Placeholder 2"/>
+          <p:cNvSpPr>
+            <a:spLocks noGrp="1"/>
+          </p:cNvSpPr>
+          <p:nvPr>
+            <p:ph idx="1"/>
+          </p:nvPr>
+        </p:nvSpPr>
+        <p:spPr/>
+        <p:txBody>
+          <a:bodyPr/>
+          <a:lstStyle/>
+          <a:p>
+            <a:endParaRPr lang="en-US"/>
+          </a:p>
+        </p:txBody>
+      </p:sp>
+    </p:spTree>
+    <p:extLst>
+      <p:ext uri="{BB962C8B-B14F-4D97-AF65-F5344CB8AC3E}">
+        <p14:creationId xmlns:p14="http://schemas.microsoft.com/office/powerpoint/2010/main" val="3446229183"/>
+      </p:ext>
+    </p:extLst>
+  </p:cSld>
+  <p:clrMapOvr>
+    <a:masterClrMapping/>
+  </p:clrMapOvr>
+</p:sld>
+</file>
+
+<file path=ppt/slides/slide3.xml><?xml version="1.0" encoding="utf-8"?>
+<p:sld xmlns:a="http://schemas.openxmlformats.org/drawingml/2006/main" xmlns:r="http://schemas.openxmlformats.org/officeDocument/2006/relationships" xmlns:p="http://schemas.openxmlformats.org/presentationml/2006/main">
+  <p:cSld>
+    <p:spTree>
+      <p:nvGrpSpPr>
+        <p:cNvPr id="1" name=""/>
+        <p:cNvGrpSpPr/>
+        <p:nvPr/>
+      </p:nvGrpSpPr>
+      <p:grpSpPr>
+        <a:xfrm>
+          <a:off x="0" y="0"/>
+          <a:ext cx="0" cy="0"/>
+          <a:chOff x="0" y="0"/>
+          <a:chExt cx="0" cy="0"/>
+        </a:xfrm>
+      </p:grpSpPr>
+      <p:sp>
+        <p:nvSpPr>
+          <p:cNvPr id="2" name="Title 1"/>
+          <p:cNvSpPr>
+            <a:spLocks noGrp="1"/>
+          </p:cNvSpPr>
+          <p:nvPr>
+            <p:ph type="title"/>
+          </p:nvPr>
+        </p:nvSpPr>
+        <p:spPr/>
+        <p:txBody>
+          <a:bodyPr/>
+          <a:lstStyle/>
+          <a:p>
+            <a:r>
+              <a:rPr lang="en-US" dirty="0" smtClean="0"/>
+              <a:t>Art Samples</a:t>
+            </a:r>
+            <a:endParaRPr lang="en-US" dirty="0"/>
+          </a:p>
+        </p:txBody>
+      </p:sp>
+      <p:sp>
+        <p:nvSpPr>
+          <p:cNvPr id="3" name="Content Placeholder 2"/>
+          <p:cNvSpPr>
+            <a:spLocks noGrp="1"/>
+          </p:cNvSpPr>
+          <p:nvPr>
+            <p:ph idx="1"/>
+          </p:nvPr>
+        </p:nvSpPr>
+        <p:spPr/>
+        <p:txBody>
+          <a:bodyPr/>
+          <a:lstStyle/>
+          <a:p>
+            <a:endParaRPr lang="en-US"/>
+          </a:p>
+        </p:txBody>
+      </p:sp>
+    </p:spTree>
+    <p:extLst>
+      <p:ext uri="{BB962C8B-B14F-4D97-AF65-F5344CB8AC3E}">
+        <p14:creationId xmlns:p14="http://schemas.microsoft.com/office/powerpoint/2010/main" val="3385532758"/>
+      </p:ext>
+    </p:extLst>
+  </p:cSld>
+  <p:clrMapOvr>
+    <a:masterClrMapping/>
+  </p:clrMapOvr>
+</p:sld>
+</file>
+
+<file path=ppt/slides/slide4.xml><?xml version="1.0" encoding="utf-8"?>
+<p:sld xmlns:a="http://schemas.openxmlformats.org/drawingml/2006/main" xmlns:r="http://schemas.openxmlformats.org/officeDocument/2006/relationships" xmlns:p="http://schemas.openxmlformats.org/presentationml/2006/main">
+  <p:cSld>
+    <p:spTree>
+      <p:nvGrpSpPr>
+        <p:cNvPr id="1" name=""/>
+        <p:cNvGrpSpPr/>
+        <p:nvPr/>
+      </p:nvGrpSpPr>
+      <p:grpSpPr>
+        <a:xfrm>
+          <a:off x="0" y="0"/>
+          <a:ext cx="0" cy="0"/>
+          <a:chOff x="0" y="0"/>
+          <a:chExt cx="0" cy="0"/>
+        </a:xfrm>
+      </p:grpSpPr>
+      <p:sp>
+        <p:nvSpPr>
+          <p:cNvPr id="2" name="Title 1"/>
+          <p:cNvSpPr>
+            <a:spLocks noGrp="1"/>
+          </p:cNvSpPr>
+          <p:nvPr>
+            <p:ph type="title"/>
+          </p:nvPr>
+        </p:nvSpPr>
+        <p:spPr/>
+        <p:txBody>
+          <a:bodyPr/>
+          <a:lstStyle/>
+          <a:p>
+            <a:r>
+              <a:rPr lang="en-US" dirty="0" smtClean="0"/>
+              <a:t>Audio Theme</a:t>
+            </a:r>
+            <a:endParaRPr lang="en-US" dirty="0"/>
+          </a:p>
+        </p:txBody>
+      </p:sp>
+      <p:sp>
+        <p:nvSpPr>
+          <p:cNvPr id="3" name="Content Placeholder 2"/>
+          <p:cNvSpPr>
+            <a:spLocks noGrp="1"/>
+          </p:cNvSpPr>
+          <p:nvPr>
+            <p:ph idx="1"/>
+          </p:nvPr>
+        </p:nvSpPr>
+        <p:spPr/>
+        <p:txBody>
+          <a:bodyPr/>
+          <a:lstStyle/>
+          <a:p>
+            <a:endParaRPr lang="en-US"/>
+          </a:p>
+        </p:txBody>
+      </p:sp>
+    </p:spTree>
+    <p:extLst>
+      <p:ext uri="{BB962C8B-B14F-4D97-AF65-F5344CB8AC3E}">
+        <p14:creationId xmlns:p14="http://schemas.microsoft.com/office/powerpoint/2010/main" val="1464438057"/>
+      </p:ext>
+    </p:extLst>
+  </p:cSld>
+  <p:clrMapOvr>
+    <a:masterClrMapping/>
+  </p:clrMapOvr>
+</p:sld>
+</file>
+
+<file path=ppt/slides/slide5.xml><?xml version="1.0" encoding="utf-8"?>
+<p:sld xmlns:a="http://schemas.openxmlformats.org/drawingml/2006/main" xmlns:r="http://schemas.openxmlformats.org/officeDocument/2006/relationships" xmlns:p="http://schemas.openxmlformats.org/presentationml/2006/main">
+  <p:cSld>
+    <p:spTree>
+      <p:nvGrpSpPr>
+        <p:cNvPr id="1" name=""/>
+        <p:cNvGrpSpPr/>
+        <p:nvPr/>
+      </p:nvGrpSpPr>
+      <p:grpSpPr>
+        <a:xfrm>
+          <a:off x="0" y="0"/>
+          <a:ext cx="0" cy="0"/>
+          <a:chOff x="0" y="0"/>
+          <a:chExt cx="0" cy="0"/>
+        </a:xfrm>
+      </p:grpSpPr>
+      <p:sp>
+        <p:nvSpPr>
+          <p:cNvPr id="2" name="Title 1"/>
+          <p:cNvSpPr>
+            <a:spLocks noGrp="1"/>
+          </p:cNvSpPr>
+          <p:nvPr>
+            <p:ph type="title"/>
+          </p:nvPr>
+        </p:nvSpPr>
+        <p:spPr/>
+        <p:txBody>
+          <a:bodyPr/>
+          <a:lstStyle/>
+          <a:p>
+            <a:r>
+              <a:rPr lang="en-US" dirty="0" smtClean="0"/>
+              <a:t>Audio Samples</a:t>
+            </a:r>
+            <a:endParaRPr lang="en-US" dirty="0"/>
+          </a:p>
+        </p:txBody>
+      </p:sp>
+      <p:sp>
+        <p:nvSpPr>
+          <p:cNvPr id="3" name="Content Placeholder 2"/>
+          <p:cNvSpPr>
+            <a:spLocks noGrp="1"/>
+          </p:cNvSpPr>
+          <p:nvPr>
+            <p:ph idx="1"/>
+          </p:nvPr>
+        </p:nvSpPr>
+        <p:spPr/>
+        <p:txBody>
+          <a:bodyPr/>
+          <a:lstStyle/>
+          <a:p>
+            <a:endParaRPr lang="en-US"/>
+          </a:p>
+        </p:txBody>
+      </p:sp>
+    </p:spTree>
+    <p:extLst>
+      <p:ext uri="{BB962C8B-B14F-4D97-AF65-F5344CB8AC3E}">
+        <p14:creationId xmlns:p14="http://schemas.microsoft.com/office/powerpoint/2010/main" val="2410907115"/>
+      </p:ext>
+    </p:extLst>
+  </p:cSld>
+  <p:clrMapOvr>
+    <a:masterClrMapping/>
+  </p:clrMapOvr>
+</p:sld>
+</file>
+
+<file path=ppt/slides/slide6.xml><?xml version="1.0" encoding="utf-8"?>
+<p:sld xmlns:a="http://schemas.openxmlformats.org/drawingml/2006/main" xmlns:r="http://schemas.openxmlformats.org/officeDocument/2006/relationships" xmlns:p="http://schemas.openxmlformats.org/presentationml/2006/main">
+  <p:cSld>
+    <p:spTree>
+      <p:nvGrpSpPr>
+        <p:cNvPr id="1" name=""/>
+        <p:cNvGrpSpPr/>
+        <p:nvPr/>
+      </p:nvGrpSpPr>
+      <p:grpSpPr>
+        <a:xfrm>
+          <a:off x="0" y="0"/>
+          <a:ext cx="0" cy="0"/>
+          <a:chOff x="0" y="0"/>
+          <a:chExt cx="0" cy="0"/>
+        </a:xfrm>
+      </p:grpSpPr>
+      <p:sp>
+        <p:nvSpPr>
+          <p:cNvPr id="2" name="Title 1"/>
+          <p:cNvSpPr>
+            <a:spLocks noGrp="1"/>
+          </p:cNvSpPr>
+          <p:nvPr>
+            <p:ph type="title"/>
+          </p:nvPr>
+        </p:nvSpPr>
+        <p:spPr/>
+        <p:txBody>
+          <a:bodyPr/>
+          <a:lstStyle/>
+          <a:p>
+            <a:r>
+              <a:rPr lang="en-US" dirty="0" smtClean="0"/>
+              <a:t>Design </a:t>
+            </a:r>
+            <a:r>
+              <a:rPr lang="en-US" dirty="0" err="1" smtClean="0"/>
+              <a:t>Protoype</a:t>
+            </a:r>
+            <a:endParaRPr lang="en-US" dirty="0"/>
+          </a:p>
+        </p:txBody>
+      </p:sp>
+      <p:sp>
+        <p:nvSpPr>
+          <p:cNvPr id="3" name="Content Placeholder 2"/>
+          <p:cNvSpPr>
+            <a:spLocks noGrp="1"/>
+          </p:cNvSpPr>
+          <p:nvPr>
+            <p:ph idx="1"/>
+          </p:nvPr>
+        </p:nvSpPr>
+        <p:spPr/>
+        <p:txBody>
+          <a:bodyPr/>
+          <a:lstStyle/>
+          <a:p>
+            <a:endParaRPr lang="en-US"/>
+          </a:p>
+        </p:txBody>
+      </p:sp>
+    </p:spTree>
+    <p:extLst>
+      <p:ext uri="{BB962C8B-B14F-4D97-AF65-F5344CB8AC3E}">
+        <p14:creationId xmlns:p14="http://schemas.microsoft.com/office/powerpoint/2010/main" val="3621188707"/>
+      </p:ext>
+    </p:extLst>
+  </p:cSld>
+  <p:clrMapOvr>
+    <a:masterClrMapping/>
+  </p:clrMapOvr>
+</p:sld>
+</file>
+
+<file path=ppt/slides/slide7.xml><?xml version="1.0" encoding="utf-8"?>
+<p:sld xmlns:a="http://schemas.openxmlformats.org/drawingml/2006/main" xmlns:r="http://schemas.openxmlformats.org/officeDocument/2006/relationships" xmlns:p="http://schemas.openxmlformats.org/presentationml/2006/main">
+  <p:cSld>
+    <p:spTree>
+      <p:nvGrpSpPr>
+        <p:cNvPr id="1" name=""/>
+        <p:cNvGrpSpPr/>
+        <p:nvPr/>
+      </p:nvGrpSpPr>
+      <p:grpSpPr>
+        <a:xfrm>
+          <a:off x="0" y="0"/>
+          <a:ext cx="0" cy="0"/>
+          <a:chOff x="0" y="0"/>
+          <a:chExt cx="0" cy="0"/>
+        </a:xfrm>
+      </p:grpSpPr>
+      <p:sp>
+        <p:nvSpPr>
+          <p:cNvPr id="2" name="Title 1"/>
+          <p:cNvSpPr>
+            <a:spLocks noGrp="1"/>
+          </p:cNvSpPr>
+          <p:nvPr>
+            <p:ph type="title"/>
+          </p:nvPr>
+        </p:nvSpPr>
+        <p:spPr/>
+        <p:txBody>
+          <a:bodyPr/>
+          <a:lstStyle/>
+          <a:p>
+            <a:r>
+              <a:rPr lang="en-US" dirty="0" smtClean="0"/>
+              <a:t>Core System</a:t>
+            </a:r>
+            <a:endParaRPr lang="en-US" dirty="0"/>
+          </a:p>
+        </p:txBody>
+      </p:sp>
+      <p:sp>
+        <p:nvSpPr>
+          <p:cNvPr id="3" name="Content Placeholder 2"/>
+          <p:cNvSpPr>
+            <a:spLocks noGrp="1"/>
+          </p:cNvSpPr>
+          <p:nvPr>
+            <p:ph idx="1"/>
+          </p:nvPr>
+        </p:nvSpPr>
+        <p:spPr/>
+        <p:txBody>
+          <a:bodyPr/>
+          <a:lstStyle/>
+          <a:p>
+            <a:endParaRPr lang="en-US" dirty="0"/>
+          </a:p>
+        </p:txBody>
+      </p:sp>
+    </p:spTree>
+    <p:extLst>
+      <p:ext uri="{BB962C8B-B14F-4D97-AF65-F5344CB8AC3E}">
+        <p14:creationId xmlns:p14="http://schemas.microsoft.com/office/powerpoint/2010/main" val="2451665088"/>
+      </p:ext>
+    </p:extLst>
+  </p:cSld>
+  <p:clrMapOvr>
+    <a:masterClrMapping/>
+  </p:clrMapOvr>
+</p:sld>
+</file>
+
 <file path=ppt/theme/theme1.xml><?xml version="1.0" encoding="utf-8"?>
 <a:theme xmlns:a="http://schemas.openxmlformats.org/drawingml/2006/main" name="Office Theme">
   <a:themeElements>

--- a/Documentation/Presentation.pptx
+++ b/Documentation/Presentation.pptx
@@ -6,12 +6,13 @@
   </p:sldMasterIdLst>
   <p:sldIdLst>
     <p:sldId id="256" r:id="rId2"/>
-    <p:sldId id="261" r:id="rId3"/>
-    <p:sldId id="257" r:id="rId4"/>
-    <p:sldId id="262" r:id="rId5"/>
-    <p:sldId id="258" r:id="rId6"/>
-    <p:sldId id="259" r:id="rId7"/>
-    <p:sldId id="260" r:id="rId8"/>
+    <p:sldId id="263" r:id="rId3"/>
+    <p:sldId id="261" r:id="rId4"/>
+    <p:sldId id="257" r:id="rId5"/>
+    <p:sldId id="262" r:id="rId6"/>
+    <p:sldId id="258" r:id="rId7"/>
+    <p:sldId id="259" r:id="rId8"/>
+    <p:sldId id="260" r:id="rId9"/>
   </p:sldIdLst>
   <p:sldSz cx="12192000" cy="6858000"/>
   <p:notesSz cx="6858000" cy="9144000"/>
@@ -110,6 +111,11 @@
       </a:defRPr>
     </a:lvl9pPr>
   </p:defaultTextStyle>
+  <p:extLst>
+    <p:ext uri="{EFAFB233-063F-42B5-8137-9DF3F51BA10A}">
+      <p15:sldGuideLst xmlns:p15="http://schemas.microsoft.com/office/powerpoint/2012/main"/>
+    </p:ext>
+  </p:extLst>
 </p:presentation>
 </file>
 
@@ -3037,8 +3043,8 @@
         </p:blipFill>
         <p:spPr>
           <a:xfrm>
-            <a:off x="4542526" y="4276346"/>
-            <a:ext cx="3106947" cy="1786495"/>
+            <a:off x="11126825" y="-1"/>
+            <a:ext cx="1065175" cy="612475"/>
           </a:xfrm>
           <a:prstGeom prst="rect">
             <a:avLst/>
@@ -3055,6 +3061,13 @@
   <p:clrMapOvr>
     <a:masterClrMapping/>
   </p:clrMapOvr>
+  <p:timing>
+    <p:tnLst>
+      <p:par>
+        <p:cTn id="1" dur="indefinite" restart="never" nodeType="tmRoot"/>
+      </p:par>
+    </p:tnLst>
+  </p:timing>
 </p:sld>
 </file>
 
@@ -3092,7 +3105,7 @@
           <a:p>
             <a:r>
               <a:rPr lang="en-US" dirty="0" smtClean="0"/>
-              <a:t>Art Theme</a:t>
+              <a:t>The Dream Team</a:t>
             </a:r>
             <a:endParaRPr lang="en-US" dirty="0"/>
           </a:p>
@@ -3113,20 +3126,99 @@
           <a:bodyPr/>
           <a:lstStyle/>
           <a:p>
-            <a:endParaRPr lang="en-US"/>
-          </a:p>
-        </p:txBody>
-      </p:sp>
+            <a:r>
+              <a:rPr lang="en-US" dirty="0" smtClean="0"/>
+              <a:t>Bar Ben-</a:t>
+            </a:r>
+            <a:r>
+              <a:rPr lang="en-US" dirty="0" err="1" smtClean="0"/>
+              <a:t>zvi</a:t>
+            </a:r>
+            <a:r>
+              <a:rPr lang="en-US" dirty="0"/>
+              <a:t> </a:t>
+            </a:r>
+            <a:r>
+              <a:rPr lang="en-US" dirty="0" smtClean="0"/>
+              <a:t>– Design Director</a:t>
+            </a:r>
+          </a:p>
+          <a:p>
+            <a:r>
+              <a:rPr lang="en-US" dirty="0" smtClean="0"/>
+              <a:t>Eli Miller – Technical Director</a:t>
+            </a:r>
+          </a:p>
+          <a:p>
+            <a:r>
+              <a:rPr lang="en-US" dirty="0" smtClean="0"/>
+              <a:t>Hunter Starr –Art Director</a:t>
+            </a:r>
+          </a:p>
+          <a:p>
+            <a:r>
+              <a:rPr lang="en-US" dirty="0" smtClean="0"/>
+              <a:t>Nelson </a:t>
+            </a:r>
+            <a:r>
+              <a:rPr lang="en-US" dirty="0" err="1" smtClean="0"/>
+              <a:t>Athow</a:t>
+            </a:r>
+            <a:r>
+              <a:rPr lang="en-US" dirty="0" smtClean="0"/>
+              <a:t> - Producer</a:t>
+            </a:r>
+            <a:endParaRPr lang="en-US" dirty="0"/>
+          </a:p>
+        </p:txBody>
+      </p:sp>
+      <p:pic>
+        <p:nvPicPr>
+          <p:cNvPr id="4" name="Picture 3"/>
+          <p:cNvPicPr>
+            <a:picLocks noChangeAspect="1"/>
+          </p:cNvPicPr>
+          <p:nvPr/>
+        </p:nvPicPr>
+        <p:blipFill>
+          <a:blip r:embed="rId2" cstate="print">
+            <a:extLst>
+              <a:ext uri="{28A0092B-C50C-407E-A947-70E740481C1C}">
+                <a14:useLocalDpi xmlns:a14="http://schemas.microsoft.com/office/drawing/2010/main" val="0"/>
+              </a:ext>
+            </a:extLst>
+          </a:blip>
+          <a:stretch>
+            <a:fillRect/>
+          </a:stretch>
+        </p:blipFill>
+        <p:spPr>
+          <a:xfrm>
+            <a:off x="11126825" y="-1"/>
+            <a:ext cx="1065175" cy="612475"/>
+          </a:xfrm>
+          <a:prstGeom prst="rect">
+            <a:avLst/>
+          </a:prstGeom>
+        </p:spPr>
+      </p:pic>
     </p:spTree>
     <p:extLst>
       <p:ext uri="{BB962C8B-B14F-4D97-AF65-F5344CB8AC3E}">
-        <p14:creationId xmlns:p14="http://schemas.microsoft.com/office/powerpoint/2010/main" val="3446229183"/>
+        <p14:creationId xmlns:p14="http://schemas.microsoft.com/office/powerpoint/2010/main" val="348151449"/>
       </p:ext>
     </p:extLst>
   </p:cSld>
   <p:clrMapOvr>
     <a:masterClrMapping/>
   </p:clrMapOvr>
+  <p:timing>
+    <p:tnLst>
+      <p:par>
+        <p:cTn id="1" dur="indefinite" restart="never" nodeType="tmRoot"/>
+      </p:par>
+    </p:tnLst>
+  </p:timing>
 </p:sld>
 </file>
 
@@ -3164,7 +3256,7 @@
           <a:p>
             <a:r>
               <a:rPr lang="en-US" dirty="0" smtClean="0"/>
-              <a:t>Art Samples</a:t>
+              <a:t>Art Theme</a:t>
             </a:r>
             <a:endParaRPr lang="en-US" dirty="0"/>
           </a:p>
@@ -3189,16 +3281,53 @@
           </a:p>
         </p:txBody>
       </p:sp>
+      <p:pic>
+        <p:nvPicPr>
+          <p:cNvPr id="4" name="Picture 3"/>
+          <p:cNvPicPr>
+            <a:picLocks noChangeAspect="1"/>
+          </p:cNvPicPr>
+          <p:nvPr/>
+        </p:nvPicPr>
+        <p:blipFill>
+          <a:blip r:embed="rId2" cstate="print">
+            <a:extLst>
+              <a:ext uri="{28A0092B-C50C-407E-A947-70E740481C1C}">
+                <a14:useLocalDpi xmlns:a14="http://schemas.microsoft.com/office/drawing/2010/main" val="0"/>
+              </a:ext>
+            </a:extLst>
+          </a:blip>
+          <a:stretch>
+            <a:fillRect/>
+          </a:stretch>
+        </p:blipFill>
+        <p:spPr>
+          <a:xfrm>
+            <a:off x="11126825" y="-1"/>
+            <a:ext cx="1065175" cy="612475"/>
+          </a:xfrm>
+          <a:prstGeom prst="rect">
+            <a:avLst/>
+          </a:prstGeom>
+        </p:spPr>
+      </p:pic>
     </p:spTree>
     <p:extLst>
       <p:ext uri="{BB962C8B-B14F-4D97-AF65-F5344CB8AC3E}">
-        <p14:creationId xmlns:p14="http://schemas.microsoft.com/office/powerpoint/2010/main" val="3385532758"/>
+        <p14:creationId xmlns:p14="http://schemas.microsoft.com/office/powerpoint/2010/main" val="3446229183"/>
       </p:ext>
     </p:extLst>
   </p:cSld>
   <p:clrMapOvr>
     <a:masterClrMapping/>
   </p:clrMapOvr>
+  <p:timing>
+    <p:tnLst>
+      <p:par>
+        <p:cTn id="1" dur="indefinite" restart="never" nodeType="tmRoot"/>
+      </p:par>
+    </p:tnLst>
+  </p:timing>
 </p:sld>
 </file>
 
@@ -3236,7 +3365,7 @@
           <a:p>
             <a:r>
               <a:rPr lang="en-US" dirty="0" smtClean="0"/>
-              <a:t>Audio Theme</a:t>
+              <a:t>Art Samples</a:t>
             </a:r>
             <a:endParaRPr lang="en-US" dirty="0"/>
           </a:p>
@@ -3261,16 +3390,53 @@
           </a:p>
         </p:txBody>
       </p:sp>
+      <p:pic>
+        <p:nvPicPr>
+          <p:cNvPr id="4" name="Picture 3"/>
+          <p:cNvPicPr>
+            <a:picLocks noChangeAspect="1"/>
+          </p:cNvPicPr>
+          <p:nvPr/>
+        </p:nvPicPr>
+        <p:blipFill>
+          <a:blip r:embed="rId2" cstate="print">
+            <a:extLst>
+              <a:ext uri="{28A0092B-C50C-407E-A947-70E740481C1C}">
+                <a14:useLocalDpi xmlns:a14="http://schemas.microsoft.com/office/drawing/2010/main" val="0"/>
+              </a:ext>
+            </a:extLst>
+          </a:blip>
+          <a:stretch>
+            <a:fillRect/>
+          </a:stretch>
+        </p:blipFill>
+        <p:spPr>
+          <a:xfrm>
+            <a:off x="11126825" y="-1"/>
+            <a:ext cx="1065175" cy="612475"/>
+          </a:xfrm>
+          <a:prstGeom prst="rect">
+            <a:avLst/>
+          </a:prstGeom>
+        </p:spPr>
+      </p:pic>
     </p:spTree>
     <p:extLst>
       <p:ext uri="{BB962C8B-B14F-4D97-AF65-F5344CB8AC3E}">
-        <p14:creationId xmlns:p14="http://schemas.microsoft.com/office/powerpoint/2010/main" val="1464438057"/>
+        <p14:creationId xmlns:p14="http://schemas.microsoft.com/office/powerpoint/2010/main" val="3385532758"/>
       </p:ext>
     </p:extLst>
   </p:cSld>
   <p:clrMapOvr>
     <a:masterClrMapping/>
   </p:clrMapOvr>
+  <p:timing>
+    <p:tnLst>
+      <p:par>
+        <p:cTn id="1" dur="indefinite" restart="never" nodeType="tmRoot"/>
+      </p:par>
+    </p:tnLst>
+  </p:timing>
 </p:sld>
 </file>
 
@@ -3308,7 +3474,7 @@
           <a:p>
             <a:r>
               <a:rPr lang="en-US" dirty="0" smtClean="0"/>
-              <a:t>Audio Samples</a:t>
+              <a:t>Audio Theme</a:t>
             </a:r>
             <a:endParaRPr lang="en-US" dirty="0"/>
           </a:p>
@@ -3333,16 +3499,53 @@
           </a:p>
         </p:txBody>
       </p:sp>
+      <p:pic>
+        <p:nvPicPr>
+          <p:cNvPr id="4" name="Picture 3"/>
+          <p:cNvPicPr>
+            <a:picLocks noChangeAspect="1"/>
+          </p:cNvPicPr>
+          <p:nvPr/>
+        </p:nvPicPr>
+        <p:blipFill>
+          <a:blip r:embed="rId2" cstate="print">
+            <a:extLst>
+              <a:ext uri="{28A0092B-C50C-407E-A947-70E740481C1C}">
+                <a14:useLocalDpi xmlns:a14="http://schemas.microsoft.com/office/drawing/2010/main" val="0"/>
+              </a:ext>
+            </a:extLst>
+          </a:blip>
+          <a:stretch>
+            <a:fillRect/>
+          </a:stretch>
+        </p:blipFill>
+        <p:spPr>
+          <a:xfrm>
+            <a:off x="11126825" y="-1"/>
+            <a:ext cx="1065175" cy="612475"/>
+          </a:xfrm>
+          <a:prstGeom prst="rect">
+            <a:avLst/>
+          </a:prstGeom>
+        </p:spPr>
+      </p:pic>
     </p:spTree>
     <p:extLst>
       <p:ext uri="{BB962C8B-B14F-4D97-AF65-F5344CB8AC3E}">
-        <p14:creationId xmlns:p14="http://schemas.microsoft.com/office/powerpoint/2010/main" val="2410907115"/>
+        <p14:creationId xmlns:p14="http://schemas.microsoft.com/office/powerpoint/2010/main" val="1464438057"/>
       </p:ext>
     </p:extLst>
   </p:cSld>
   <p:clrMapOvr>
     <a:masterClrMapping/>
   </p:clrMapOvr>
+  <p:timing>
+    <p:tnLst>
+      <p:par>
+        <p:cTn id="1" dur="indefinite" restart="never" nodeType="tmRoot"/>
+      </p:par>
+    </p:tnLst>
+  </p:timing>
 </p:sld>
 </file>
 
@@ -3380,11 +3583,7 @@
           <a:p>
             <a:r>
               <a:rPr lang="en-US" dirty="0" smtClean="0"/>
-              <a:t>Design </a:t>
-            </a:r>
-            <a:r>
-              <a:rPr lang="en-US" dirty="0" err="1" smtClean="0"/>
-              <a:t>Protoype</a:t>
+              <a:t>Audio Samples</a:t>
             </a:r>
             <a:endParaRPr lang="en-US" dirty="0"/>
           </a:p>
@@ -3409,16 +3608,53 @@
           </a:p>
         </p:txBody>
       </p:sp>
+      <p:pic>
+        <p:nvPicPr>
+          <p:cNvPr id="4" name="Picture 3"/>
+          <p:cNvPicPr>
+            <a:picLocks noChangeAspect="1"/>
+          </p:cNvPicPr>
+          <p:nvPr/>
+        </p:nvPicPr>
+        <p:blipFill>
+          <a:blip r:embed="rId2" cstate="print">
+            <a:extLst>
+              <a:ext uri="{28A0092B-C50C-407E-A947-70E740481C1C}">
+                <a14:useLocalDpi xmlns:a14="http://schemas.microsoft.com/office/drawing/2010/main" val="0"/>
+              </a:ext>
+            </a:extLst>
+          </a:blip>
+          <a:stretch>
+            <a:fillRect/>
+          </a:stretch>
+        </p:blipFill>
+        <p:spPr>
+          <a:xfrm>
+            <a:off x="11126825" y="-1"/>
+            <a:ext cx="1065175" cy="612475"/>
+          </a:xfrm>
+          <a:prstGeom prst="rect">
+            <a:avLst/>
+          </a:prstGeom>
+        </p:spPr>
+      </p:pic>
     </p:spTree>
     <p:extLst>
       <p:ext uri="{BB962C8B-B14F-4D97-AF65-F5344CB8AC3E}">
-        <p14:creationId xmlns:p14="http://schemas.microsoft.com/office/powerpoint/2010/main" val="3621188707"/>
+        <p14:creationId xmlns:p14="http://schemas.microsoft.com/office/powerpoint/2010/main" val="2410907115"/>
       </p:ext>
     </p:extLst>
   </p:cSld>
   <p:clrMapOvr>
     <a:masterClrMapping/>
   </p:clrMapOvr>
+  <p:timing>
+    <p:tnLst>
+      <p:par>
+        <p:cTn id="1" dur="indefinite" restart="never" nodeType="tmRoot"/>
+      </p:par>
+    </p:tnLst>
+  </p:timing>
 </p:sld>
 </file>
 
@@ -3456,6 +3692,119 @@
           <a:p>
             <a:r>
               <a:rPr lang="en-US" dirty="0" smtClean="0"/>
+              <a:t>Design </a:t>
+            </a:r>
+            <a:r>
+              <a:rPr lang="en-US" dirty="0" err="1" smtClean="0"/>
+              <a:t>Protoype</a:t>
+            </a:r>
+            <a:endParaRPr lang="en-US" dirty="0"/>
+          </a:p>
+        </p:txBody>
+      </p:sp>
+      <p:sp>
+        <p:nvSpPr>
+          <p:cNvPr id="3" name="Content Placeholder 2"/>
+          <p:cNvSpPr>
+            <a:spLocks noGrp="1"/>
+          </p:cNvSpPr>
+          <p:nvPr>
+            <p:ph idx="1"/>
+          </p:nvPr>
+        </p:nvSpPr>
+        <p:spPr/>
+        <p:txBody>
+          <a:bodyPr/>
+          <a:lstStyle/>
+          <a:p>
+            <a:endParaRPr lang="en-US"/>
+          </a:p>
+        </p:txBody>
+      </p:sp>
+      <p:pic>
+        <p:nvPicPr>
+          <p:cNvPr id="4" name="Picture 3"/>
+          <p:cNvPicPr>
+            <a:picLocks noChangeAspect="1"/>
+          </p:cNvPicPr>
+          <p:nvPr/>
+        </p:nvPicPr>
+        <p:blipFill>
+          <a:blip r:embed="rId2" cstate="print">
+            <a:extLst>
+              <a:ext uri="{28A0092B-C50C-407E-A947-70E740481C1C}">
+                <a14:useLocalDpi xmlns:a14="http://schemas.microsoft.com/office/drawing/2010/main" val="0"/>
+              </a:ext>
+            </a:extLst>
+          </a:blip>
+          <a:stretch>
+            <a:fillRect/>
+          </a:stretch>
+        </p:blipFill>
+        <p:spPr>
+          <a:xfrm>
+            <a:off x="11126825" y="-1"/>
+            <a:ext cx="1065175" cy="612475"/>
+          </a:xfrm>
+          <a:prstGeom prst="rect">
+            <a:avLst/>
+          </a:prstGeom>
+        </p:spPr>
+      </p:pic>
+    </p:spTree>
+    <p:extLst>
+      <p:ext uri="{BB962C8B-B14F-4D97-AF65-F5344CB8AC3E}">
+        <p14:creationId xmlns:p14="http://schemas.microsoft.com/office/powerpoint/2010/main" val="3621188707"/>
+      </p:ext>
+    </p:extLst>
+  </p:cSld>
+  <p:clrMapOvr>
+    <a:masterClrMapping/>
+  </p:clrMapOvr>
+  <p:timing>
+    <p:tnLst>
+      <p:par>
+        <p:cTn id="1" dur="indefinite" restart="never" nodeType="tmRoot"/>
+      </p:par>
+    </p:tnLst>
+  </p:timing>
+</p:sld>
+</file>
+
+<file path=ppt/slides/slide8.xml><?xml version="1.0" encoding="utf-8"?>
+<p:sld xmlns:a="http://schemas.openxmlformats.org/drawingml/2006/main" xmlns:r="http://schemas.openxmlformats.org/officeDocument/2006/relationships" xmlns:p="http://schemas.openxmlformats.org/presentationml/2006/main">
+  <p:cSld>
+    <p:spTree>
+      <p:nvGrpSpPr>
+        <p:cNvPr id="1" name=""/>
+        <p:cNvGrpSpPr/>
+        <p:nvPr/>
+      </p:nvGrpSpPr>
+      <p:grpSpPr>
+        <a:xfrm>
+          <a:off x="0" y="0"/>
+          <a:ext cx="0" cy="0"/>
+          <a:chOff x="0" y="0"/>
+          <a:chExt cx="0" cy="0"/>
+        </a:xfrm>
+      </p:grpSpPr>
+      <p:sp>
+        <p:nvSpPr>
+          <p:cNvPr id="2" name="Title 1"/>
+          <p:cNvSpPr>
+            <a:spLocks noGrp="1"/>
+          </p:cNvSpPr>
+          <p:nvPr>
+            <p:ph type="title"/>
+          </p:nvPr>
+        </p:nvSpPr>
+        <p:spPr/>
+        <p:txBody>
+          <a:bodyPr/>
+          <a:lstStyle/>
+          <a:p>
+            <a:r>
+              <a:rPr lang="en-US" dirty="0" smtClean="0"/>
               <a:t>Core System</a:t>
             </a:r>
             <a:endParaRPr lang="en-US" dirty="0"/>
@@ -3481,6 +3830,36 @@
           </a:p>
         </p:txBody>
       </p:sp>
+      <p:pic>
+        <p:nvPicPr>
+          <p:cNvPr id="4" name="Picture 3"/>
+          <p:cNvPicPr>
+            <a:picLocks noChangeAspect="1"/>
+          </p:cNvPicPr>
+          <p:nvPr/>
+        </p:nvPicPr>
+        <p:blipFill>
+          <a:blip r:embed="rId2" cstate="print">
+            <a:extLst>
+              <a:ext uri="{28A0092B-C50C-407E-A947-70E740481C1C}">
+                <a14:useLocalDpi xmlns:a14="http://schemas.microsoft.com/office/drawing/2010/main" val="0"/>
+              </a:ext>
+            </a:extLst>
+          </a:blip>
+          <a:stretch>
+            <a:fillRect/>
+          </a:stretch>
+        </p:blipFill>
+        <p:spPr>
+          <a:xfrm>
+            <a:off x="11126825" y="-1"/>
+            <a:ext cx="1065175" cy="612475"/>
+          </a:xfrm>
+          <a:prstGeom prst="rect">
+            <a:avLst/>
+          </a:prstGeom>
+        </p:spPr>
+      </p:pic>
     </p:spTree>
     <p:extLst>
       <p:ext uri="{BB962C8B-B14F-4D97-AF65-F5344CB8AC3E}">
@@ -3491,6 +3870,13 @@
   <p:clrMapOvr>
     <a:masterClrMapping/>
   </p:clrMapOvr>
+  <p:timing>
+    <p:tnLst>
+      <p:par>
+        <p:cTn id="1" dur="indefinite" restart="never" nodeType="tmRoot"/>
+      </p:par>
+    </p:tnLst>
+  </p:timing>
 </p:sld>
 </file>
 

--- a/Documentation/Presentation.pptx
+++ b/Documentation/Presentation.pptx
@@ -9,10 +9,13 @@
     <p:sldId id="263" r:id="rId3"/>
     <p:sldId id="261" r:id="rId4"/>
     <p:sldId id="257" r:id="rId5"/>
-    <p:sldId id="262" r:id="rId6"/>
-    <p:sldId id="258" r:id="rId7"/>
-    <p:sldId id="259" r:id="rId8"/>
-    <p:sldId id="260" r:id="rId9"/>
+    <p:sldId id="264" r:id="rId6"/>
+    <p:sldId id="265" r:id="rId7"/>
+    <p:sldId id="266" r:id="rId8"/>
+    <p:sldId id="262" r:id="rId9"/>
+    <p:sldId id="258" r:id="rId10"/>
+    <p:sldId id="259" r:id="rId11"/>
+    <p:sldId id="260" r:id="rId12"/>
   </p:sldIdLst>
   <p:sldSz cx="12192000" cy="6858000"/>
   <p:notesSz cx="6858000" cy="9144000"/>
@@ -161,10 +164,9 @@
           </a:lstStyle>
           <a:p>
             <a:r>
-              <a:rPr lang="en-US" smtClean="0"/>
+              <a:rPr lang="en-US"/>
               <a:t>Click to edit Master title style</a:t>
             </a:r>
-            <a:endParaRPr lang="en-US"/>
           </a:p>
         </p:txBody>
       </p:sp>
@@ -226,10 +228,9 @@
           </a:lstStyle>
           <a:p>
             <a:r>
-              <a:rPr lang="en-US" smtClean="0"/>
+              <a:rPr lang="en-US"/>
               <a:t>Click to edit Master subtitle style</a:t>
             </a:r>
-            <a:endParaRPr lang="en-US"/>
           </a:p>
         </p:txBody>
       </p:sp>
@@ -250,7 +251,7 @@
           <a:p>
             <a:fld id="{5CEF22E0-9ED4-437F-9483-C95BD90B631F}" type="datetimeFigureOut">
               <a:rPr lang="en-US" smtClean="0"/>
-              <a:t>2/23/2017</a:t>
+              <a:t>2/27/2017</a:t>
             </a:fld>
             <a:endParaRPr lang="en-US"/>
           </a:p>
@@ -344,10 +345,9 @@
           <a:lstStyle/>
           <a:p>
             <a:r>
-              <a:rPr lang="en-US" smtClean="0"/>
+              <a:rPr lang="en-US"/>
               <a:t>Click to edit Master title style</a:t>
             </a:r>
-            <a:endParaRPr lang="en-US"/>
           </a:p>
         </p:txBody>
       </p:sp>
@@ -368,38 +368,37 @@
           <a:p>
             <a:pPr lvl="0"/>
             <a:r>
-              <a:rPr lang="en-US" smtClean="0"/>
+              <a:rPr lang="en-US"/>
               <a:t>Click to edit Master text styles</a:t>
             </a:r>
           </a:p>
           <a:p>
             <a:pPr lvl="1"/>
             <a:r>
-              <a:rPr lang="en-US" smtClean="0"/>
+              <a:rPr lang="en-US"/>
               <a:t>Second level</a:t>
             </a:r>
           </a:p>
           <a:p>
             <a:pPr lvl="2"/>
             <a:r>
-              <a:rPr lang="en-US" smtClean="0"/>
+              <a:rPr lang="en-US"/>
               <a:t>Third level</a:t>
             </a:r>
           </a:p>
           <a:p>
             <a:pPr lvl="3"/>
             <a:r>
-              <a:rPr lang="en-US" smtClean="0"/>
+              <a:rPr lang="en-US"/>
               <a:t>Fourth level</a:t>
             </a:r>
           </a:p>
           <a:p>
             <a:pPr lvl="4"/>
             <a:r>
-              <a:rPr lang="en-US" smtClean="0"/>
+              <a:rPr lang="en-US"/>
               <a:t>Fifth level</a:t>
             </a:r>
-            <a:endParaRPr lang="en-US"/>
           </a:p>
         </p:txBody>
       </p:sp>
@@ -420,7 +419,7 @@
           <a:p>
             <a:fld id="{5CEF22E0-9ED4-437F-9483-C95BD90B631F}" type="datetimeFigureOut">
               <a:rPr lang="en-US" smtClean="0"/>
-              <a:t>2/23/2017</a:t>
+              <a:t>2/27/2017</a:t>
             </a:fld>
             <a:endParaRPr lang="en-US"/>
           </a:p>
@@ -519,10 +518,9 @@
           <a:lstStyle/>
           <a:p>
             <a:r>
-              <a:rPr lang="en-US" smtClean="0"/>
+              <a:rPr lang="en-US"/>
               <a:t>Click to edit Master title style</a:t>
             </a:r>
-            <a:endParaRPr lang="en-US"/>
           </a:p>
         </p:txBody>
       </p:sp>
@@ -548,38 +546,37 @@
           <a:p>
             <a:pPr lvl="0"/>
             <a:r>
-              <a:rPr lang="en-US" smtClean="0"/>
+              <a:rPr lang="en-US"/>
               <a:t>Click to edit Master text styles</a:t>
             </a:r>
           </a:p>
           <a:p>
             <a:pPr lvl="1"/>
             <a:r>
-              <a:rPr lang="en-US" smtClean="0"/>
+              <a:rPr lang="en-US"/>
               <a:t>Second level</a:t>
             </a:r>
           </a:p>
           <a:p>
             <a:pPr lvl="2"/>
             <a:r>
-              <a:rPr lang="en-US" smtClean="0"/>
+              <a:rPr lang="en-US"/>
               <a:t>Third level</a:t>
             </a:r>
           </a:p>
           <a:p>
             <a:pPr lvl="3"/>
             <a:r>
-              <a:rPr lang="en-US" smtClean="0"/>
+              <a:rPr lang="en-US"/>
               <a:t>Fourth level</a:t>
             </a:r>
           </a:p>
           <a:p>
             <a:pPr lvl="4"/>
             <a:r>
-              <a:rPr lang="en-US" smtClean="0"/>
+              <a:rPr lang="en-US"/>
               <a:t>Fifth level</a:t>
             </a:r>
-            <a:endParaRPr lang="en-US"/>
           </a:p>
         </p:txBody>
       </p:sp>
@@ -600,7 +597,7 @@
           <a:p>
             <a:fld id="{5CEF22E0-9ED4-437F-9483-C95BD90B631F}" type="datetimeFigureOut">
               <a:rPr lang="en-US" smtClean="0"/>
-              <a:t>2/23/2017</a:t>
+              <a:t>2/27/2017</a:t>
             </a:fld>
             <a:endParaRPr lang="en-US"/>
           </a:p>
@@ -694,10 +691,9 @@
           <a:lstStyle/>
           <a:p>
             <a:r>
-              <a:rPr lang="en-US" smtClean="0"/>
+              <a:rPr lang="en-US"/>
               <a:t>Click to edit Master title style</a:t>
             </a:r>
-            <a:endParaRPr lang="en-US"/>
           </a:p>
         </p:txBody>
       </p:sp>
@@ -718,38 +714,37 @@
           <a:p>
             <a:pPr lvl="0"/>
             <a:r>
-              <a:rPr lang="en-US" smtClean="0"/>
+              <a:rPr lang="en-US"/>
               <a:t>Click to edit Master text styles</a:t>
             </a:r>
           </a:p>
           <a:p>
             <a:pPr lvl="1"/>
             <a:r>
-              <a:rPr lang="en-US" smtClean="0"/>
+              <a:rPr lang="en-US"/>
               <a:t>Second level</a:t>
             </a:r>
           </a:p>
           <a:p>
             <a:pPr lvl="2"/>
             <a:r>
-              <a:rPr lang="en-US" smtClean="0"/>
+              <a:rPr lang="en-US"/>
               <a:t>Third level</a:t>
             </a:r>
           </a:p>
           <a:p>
             <a:pPr lvl="3"/>
             <a:r>
-              <a:rPr lang="en-US" smtClean="0"/>
+              <a:rPr lang="en-US"/>
               <a:t>Fourth level</a:t>
             </a:r>
           </a:p>
           <a:p>
             <a:pPr lvl="4"/>
             <a:r>
-              <a:rPr lang="en-US" smtClean="0"/>
+              <a:rPr lang="en-US"/>
               <a:t>Fifth level</a:t>
             </a:r>
-            <a:endParaRPr lang="en-US"/>
           </a:p>
         </p:txBody>
       </p:sp>
@@ -770,7 +765,7 @@
           <a:p>
             <a:fld id="{5CEF22E0-9ED4-437F-9483-C95BD90B631F}" type="datetimeFigureOut">
               <a:rPr lang="en-US" smtClean="0"/>
-              <a:t>2/23/2017</a:t>
+              <a:t>2/27/2017</a:t>
             </a:fld>
             <a:endParaRPr lang="en-US"/>
           </a:p>
@@ -873,10 +868,9 @@
           </a:lstStyle>
           <a:p>
             <a:r>
-              <a:rPr lang="en-US" smtClean="0"/>
+              <a:rPr lang="en-US"/>
               <a:t>Click to edit Master title style</a:t>
             </a:r>
-            <a:endParaRPr lang="en-US"/>
           </a:p>
         </p:txBody>
       </p:sp>
@@ -993,7 +987,7 @@
           <a:p>
             <a:pPr lvl="0"/>
             <a:r>
-              <a:rPr lang="en-US" smtClean="0"/>
+              <a:rPr lang="en-US"/>
               <a:t>Click to edit Master text styles</a:t>
             </a:r>
           </a:p>
@@ -1016,7 +1010,7 @@
           <a:p>
             <a:fld id="{5CEF22E0-9ED4-437F-9483-C95BD90B631F}" type="datetimeFigureOut">
               <a:rPr lang="en-US" smtClean="0"/>
-              <a:t>2/23/2017</a:t>
+              <a:t>2/27/2017</a:t>
             </a:fld>
             <a:endParaRPr lang="en-US"/>
           </a:p>
@@ -1110,10 +1104,9 @@
           <a:lstStyle/>
           <a:p>
             <a:r>
-              <a:rPr lang="en-US" smtClean="0"/>
+              <a:rPr lang="en-US"/>
               <a:t>Click to edit Master title style</a:t>
             </a:r>
-            <a:endParaRPr lang="en-US"/>
           </a:p>
         </p:txBody>
       </p:sp>
@@ -1139,38 +1132,37 @@
           <a:p>
             <a:pPr lvl="0"/>
             <a:r>
-              <a:rPr lang="en-US" smtClean="0"/>
+              <a:rPr lang="en-US"/>
               <a:t>Click to edit Master text styles</a:t>
             </a:r>
           </a:p>
           <a:p>
             <a:pPr lvl="1"/>
             <a:r>
-              <a:rPr lang="en-US" smtClean="0"/>
+              <a:rPr lang="en-US"/>
               <a:t>Second level</a:t>
             </a:r>
           </a:p>
           <a:p>
             <a:pPr lvl="2"/>
             <a:r>
-              <a:rPr lang="en-US" smtClean="0"/>
+              <a:rPr lang="en-US"/>
               <a:t>Third level</a:t>
             </a:r>
           </a:p>
           <a:p>
             <a:pPr lvl="3"/>
             <a:r>
-              <a:rPr lang="en-US" smtClean="0"/>
+              <a:rPr lang="en-US"/>
               <a:t>Fourth level</a:t>
             </a:r>
           </a:p>
           <a:p>
             <a:pPr lvl="4"/>
             <a:r>
-              <a:rPr lang="en-US" smtClean="0"/>
+              <a:rPr lang="en-US"/>
               <a:t>Fifth level</a:t>
             </a:r>
-            <a:endParaRPr lang="en-US"/>
           </a:p>
         </p:txBody>
       </p:sp>
@@ -1196,38 +1188,37 @@
           <a:p>
             <a:pPr lvl="0"/>
             <a:r>
-              <a:rPr lang="en-US" smtClean="0"/>
+              <a:rPr lang="en-US"/>
               <a:t>Click to edit Master text styles</a:t>
             </a:r>
           </a:p>
           <a:p>
             <a:pPr lvl="1"/>
             <a:r>
-              <a:rPr lang="en-US" smtClean="0"/>
+              <a:rPr lang="en-US"/>
               <a:t>Second level</a:t>
             </a:r>
           </a:p>
           <a:p>
             <a:pPr lvl="2"/>
             <a:r>
-              <a:rPr lang="en-US" smtClean="0"/>
+              <a:rPr lang="en-US"/>
               <a:t>Third level</a:t>
             </a:r>
           </a:p>
           <a:p>
             <a:pPr lvl="3"/>
             <a:r>
-              <a:rPr lang="en-US" smtClean="0"/>
+              <a:rPr lang="en-US"/>
               <a:t>Fourth level</a:t>
             </a:r>
           </a:p>
           <a:p>
             <a:pPr lvl="4"/>
             <a:r>
-              <a:rPr lang="en-US" smtClean="0"/>
+              <a:rPr lang="en-US"/>
               <a:t>Fifth level</a:t>
             </a:r>
-            <a:endParaRPr lang="en-US"/>
           </a:p>
         </p:txBody>
       </p:sp>
@@ -1248,7 +1239,7 @@
           <a:p>
             <a:fld id="{5CEF22E0-9ED4-437F-9483-C95BD90B631F}" type="datetimeFigureOut">
               <a:rPr lang="en-US" smtClean="0"/>
-              <a:t>2/23/2017</a:t>
+              <a:t>2/27/2017</a:t>
             </a:fld>
             <a:endParaRPr lang="en-US"/>
           </a:p>
@@ -1347,10 +1338,9 @@
           <a:lstStyle/>
           <a:p>
             <a:r>
-              <a:rPr lang="en-US" smtClean="0"/>
+              <a:rPr lang="en-US"/>
               <a:t>Click to edit Master title style</a:t>
             </a:r>
-            <a:endParaRPr lang="en-US"/>
           </a:p>
         </p:txBody>
       </p:sp>
@@ -1413,7 +1403,7 @@
           <a:p>
             <a:pPr lvl="0"/>
             <a:r>
-              <a:rPr lang="en-US" smtClean="0"/>
+              <a:rPr lang="en-US"/>
               <a:t>Click to edit Master text styles</a:t>
             </a:r>
           </a:p>
@@ -1441,38 +1431,37 @@
           <a:p>
             <a:pPr lvl="0"/>
             <a:r>
-              <a:rPr lang="en-US" smtClean="0"/>
+              <a:rPr lang="en-US"/>
               <a:t>Click to edit Master text styles</a:t>
             </a:r>
           </a:p>
           <a:p>
             <a:pPr lvl="1"/>
             <a:r>
-              <a:rPr lang="en-US" smtClean="0"/>
+              <a:rPr lang="en-US"/>
               <a:t>Second level</a:t>
             </a:r>
           </a:p>
           <a:p>
             <a:pPr lvl="2"/>
             <a:r>
-              <a:rPr lang="en-US" smtClean="0"/>
+              <a:rPr lang="en-US"/>
               <a:t>Third level</a:t>
             </a:r>
           </a:p>
           <a:p>
             <a:pPr lvl="3"/>
             <a:r>
-              <a:rPr lang="en-US" smtClean="0"/>
+              <a:rPr lang="en-US"/>
               <a:t>Fourth level</a:t>
             </a:r>
           </a:p>
           <a:p>
             <a:pPr lvl="4"/>
             <a:r>
-              <a:rPr lang="en-US" smtClean="0"/>
+              <a:rPr lang="en-US"/>
               <a:t>Fifth level</a:t>
             </a:r>
-            <a:endParaRPr lang="en-US"/>
           </a:p>
         </p:txBody>
       </p:sp>
@@ -1535,7 +1524,7 @@
           <a:p>
             <a:pPr lvl="0"/>
             <a:r>
-              <a:rPr lang="en-US" smtClean="0"/>
+              <a:rPr lang="en-US"/>
               <a:t>Click to edit Master text styles</a:t>
             </a:r>
           </a:p>
@@ -1563,38 +1552,37 @@
           <a:p>
             <a:pPr lvl="0"/>
             <a:r>
-              <a:rPr lang="en-US" smtClean="0"/>
+              <a:rPr lang="en-US"/>
               <a:t>Click to edit Master text styles</a:t>
             </a:r>
           </a:p>
           <a:p>
             <a:pPr lvl="1"/>
             <a:r>
-              <a:rPr lang="en-US" smtClean="0"/>
+              <a:rPr lang="en-US"/>
               <a:t>Second level</a:t>
             </a:r>
           </a:p>
           <a:p>
             <a:pPr lvl="2"/>
             <a:r>
-              <a:rPr lang="en-US" smtClean="0"/>
+              <a:rPr lang="en-US"/>
               <a:t>Third level</a:t>
             </a:r>
           </a:p>
           <a:p>
             <a:pPr lvl="3"/>
             <a:r>
-              <a:rPr lang="en-US" smtClean="0"/>
+              <a:rPr lang="en-US"/>
               <a:t>Fourth level</a:t>
             </a:r>
           </a:p>
           <a:p>
             <a:pPr lvl="4"/>
             <a:r>
-              <a:rPr lang="en-US" smtClean="0"/>
+              <a:rPr lang="en-US"/>
               <a:t>Fifth level</a:t>
             </a:r>
-            <a:endParaRPr lang="en-US"/>
           </a:p>
         </p:txBody>
       </p:sp>
@@ -1615,7 +1603,7 @@
           <a:p>
             <a:fld id="{5CEF22E0-9ED4-437F-9483-C95BD90B631F}" type="datetimeFigureOut">
               <a:rPr lang="en-US" smtClean="0"/>
-              <a:t>2/23/2017</a:t>
+              <a:t>2/27/2017</a:t>
             </a:fld>
             <a:endParaRPr lang="en-US"/>
           </a:p>
@@ -1709,10 +1697,9 @@
           <a:lstStyle/>
           <a:p>
             <a:r>
-              <a:rPr lang="en-US" smtClean="0"/>
+              <a:rPr lang="en-US"/>
               <a:t>Click to edit Master title style</a:t>
             </a:r>
-            <a:endParaRPr lang="en-US"/>
           </a:p>
         </p:txBody>
       </p:sp>
@@ -1733,7 +1720,7 @@
           <a:p>
             <a:fld id="{5CEF22E0-9ED4-437F-9483-C95BD90B631F}" type="datetimeFigureOut">
               <a:rPr lang="en-US" smtClean="0"/>
-              <a:t>2/23/2017</a:t>
+              <a:t>2/27/2017</a:t>
             </a:fld>
             <a:endParaRPr lang="en-US"/>
           </a:p>
@@ -1828,7 +1815,7 @@
           <a:p>
             <a:fld id="{5CEF22E0-9ED4-437F-9483-C95BD90B631F}" type="datetimeFigureOut">
               <a:rPr lang="en-US" smtClean="0"/>
-              <a:t>2/23/2017</a:t>
+              <a:t>2/27/2017</a:t>
             </a:fld>
             <a:endParaRPr lang="en-US"/>
           </a:p>
@@ -1931,10 +1918,9 @@
           </a:lstStyle>
           <a:p>
             <a:r>
-              <a:rPr lang="en-US" smtClean="0"/>
+              <a:rPr lang="en-US"/>
               <a:t>Click to edit Master title style</a:t>
             </a:r>
-            <a:endParaRPr lang="en-US"/>
           </a:p>
         </p:txBody>
       </p:sp>
@@ -1988,38 +1974,37 @@
           <a:p>
             <a:pPr lvl="0"/>
             <a:r>
-              <a:rPr lang="en-US" smtClean="0"/>
+              <a:rPr lang="en-US"/>
               <a:t>Click to edit Master text styles</a:t>
             </a:r>
           </a:p>
           <a:p>
             <a:pPr lvl="1"/>
             <a:r>
-              <a:rPr lang="en-US" smtClean="0"/>
+              <a:rPr lang="en-US"/>
               <a:t>Second level</a:t>
             </a:r>
           </a:p>
           <a:p>
             <a:pPr lvl="2"/>
             <a:r>
-              <a:rPr lang="en-US" smtClean="0"/>
+              <a:rPr lang="en-US"/>
               <a:t>Third level</a:t>
             </a:r>
           </a:p>
           <a:p>
             <a:pPr lvl="3"/>
             <a:r>
-              <a:rPr lang="en-US" smtClean="0"/>
+              <a:rPr lang="en-US"/>
               <a:t>Fourth level</a:t>
             </a:r>
           </a:p>
           <a:p>
             <a:pPr lvl="4"/>
             <a:r>
-              <a:rPr lang="en-US" smtClean="0"/>
+              <a:rPr lang="en-US"/>
               <a:t>Fifth level</a:t>
             </a:r>
-            <a:endParaRPr lang="en-US"/>
           </a:p>
         </p:txBody>
       </p:sp>
@@ -2082,7 +2067,7 @@
           <a:p>
             <a:pPr lvl="0"/>
             <a:r>
-              <a:rPr lang="en-US" smtClean="0"/>
+              <a:rPr lang="en-US"/>
               <a:t>Click to edit Master text styles</a:t>
             </a:r>
           </a:p>
@@ -2105,7 +2090,7 @@
           <a:p>
             <a:fld id="{5CEF22E0-9ED4-437F-9483-C95BD90B631F}" type="datetimeFigureOut">
               <a:rPr lang="en-US" smtClean="0"/>
-              <a:t>2/23/2017</a:t>
+              <a:t>2/27/2017</a:t>
             </a:fld>
             <a:endParaRPr lang="en-US"/>
           </a:p>
@@ -2208,10 +2193,9 @@
           </a:lstStyle>
           <a:p>
             <a:r>
-              <a:rPr lang="en-US" smtClean="0"/>
+              <a:rPr lang="en-US"/>
               <a:t>Click to edit Master title style</a:t>
             </a:r>
-            <a:endParaRPr lang="en-US"/>
           </a:p>
         </p:txBody>
       </p:sp>
@@ -2335,7 +2319,7 @@
           <a:p>
             <a:pPr lvl="0"/>
             <a:r>
-              <a:rPr lang="en-US" smtClean="0"/>
+              <a:rPr lang="en-US"/>
               <a:t>Click to edit Master text styles</a:t>
             </a:r>
           </a:p>
@@ -2358,7 +2342,7 @@
           <a:p>
             <a:fld id="{5CEF22E0-9ED4-437F-9483-C95BD90B631F}" type="datetimeFigureOut">
               <a:rPr lang="en-US" smtClean="0"/>
-              <a:t>2/23/2017</a:t>
+              <a:t>2/27/2017</a:t>
             </a:fld>
             <a:endParaRPr lang="en-US"/>
           </a:p>
@@ -2467,10 +2451,9 @@
           <a:lstStyle/>
           <a:p>
             <a:r>
-              <a:rPr lang="en-US" smtClean="0"/>
+              <a:rPr lang="en-US"/>
               <a:t>Click to edit Master title style</a:t>
             </a:r>
-            <a:endParaRPr lang="en-US"/>
           </a:p>
         </p:txBody>
       </p:sp>
@@ -2501,38 +2484,37 @@
           <a:p>
             <a:pPr lvl="0"/>
             <a:r>
-              <a:rPr lang="en-US" smtClean="0"/>
+              <a:rPr lang="en-US"/>
               <a:t>Click to edit Master text styles</a:t>
             </a:r>
           </a:p>
           <a:p>
             <a:pPr lvl="1"/>
             <a:r>
-              <a:rPr lang="en-US" smtClean="0"/>
+              <a:rPr lang="en-US"/>
               <a:t>Second level</a:t>
             </a:r>
           </a:p>
           <a:p>
             <a:pPr lvl="2"/>
             <a:r>
-              <a:rPr lang="en-US" smtClean="0"/>
+              <a:rPr lang="en-US"/>
               <a:t>Third level</a:t>
             </a:r>
           </a:p>
           <a:p>
             <a:pPr lvl="3"/>
             <a:r>
-              <a:rPr lang="en-US" smtClean="0"/>
+              <a:rPr lang="en-US"/>
               <a:t>Fourth level</a:t>
             </a:r>
           </a:p>
           <a:p>
             <a:pPr lvl="4"/>
             <a:r>
-              <a:rPr lang="en-US" smtClean="0"/>
+              <a:rPr lang="en-US"/>
               <a:t>Fifth level</a:t>
             </a:r>
-            <a:endParaRPr lang="en-US"/>
           </a:p>
         </p:txBody>
       </p:sp>
@@ -2571,7 +2553,7 @@
           <a:p>
             <a:fld id="{5CEF22E0-9ED4-437F-9483-C95BD90B631F}" type="datetimeFigureOut">
               <a:rPr lang="en-US" smtClean="0"/>
-              <a:t>2/23/2017</a:t>
+              <a:t>2/27/2017</a:t>
             </a:fld>
             <a:endParaRPr lang="en-US"/>
           </a:p>
@@ -2992,10 +2974,9 @@
           <a:lstStyle/>
           <a:p>
             <a:r>
-              <a:rPr lang="en-US" dirty="0" smtClean="0"/>
+              <a:rPr lang="en-US" dirty="0"/>
               <a:t>Wand Man</a:t>
             </a:r>
-            <a:endParaRPr lang="en-US" dirty="0"/>
           </a:p>
         </p:txBody>
       </p:sp>
@@ -3015,7 +2996,7 @@
           <a:lstStyle/>
           <a:p>
             <a:r>
-              <a:rPr lang="en-US" dirty="0" smtClean="0"/>
+              <a:rPr lang="en-US" dirty="0"/>
               <a:t>By MagiDev</a:t>
             </a:r>
           </a:p>
@@ -3061,13 +3042,213 @@
   <p:clrMapOvr>
     <a:masterClrMapping/>
   </p:clrMapOvr>
-  <p:timing>
-    <p:tnLst>
-      <p:par>
-        <p:cTn id="1" dur="indefinite" restart="never" nodeType="tmRoot"/>
-      </p:par>
-    </p:tnLst>
-  </p:timing>
+</p:sld>
+</file>
+
+<file path=ppt/slides/slide10.xml><?xml version="1.0" encoding="utf-8"?>
+<p:sld xmlns:a="http://schemas.openxmlformats.org/drawingml/2006/main" xmlns:r="http://schemas.openxmlformats.org/officeDocument/2006/relationships" xmlns:p="http://schemas.openxmlformats.org/presentationml/2006/main">
+  <p:cSld>
+    <p:spTree>
+      <p:nvGrpSpPr>
+        <p:cNvPr id="1" name=""/>
+        <p:cNvGrpSpPr/>
+        <p:nvPr/>
+      </p:nvGrpSpPr>
+      <p:grpSpPr>
+        <a:xfrm>
+          <a:off x="0" y="0"/>
+          <a:ext cx="0" cy="0"/>
+          <a:chOff x="0" y="0"/>
+          <a:chExt cx="0" cy="0"/>
+        </a:xfrm>
+      </p:grpSpPr>
+      <p:sp>
+        <p:nvSpPr>
+          <p:cNvPr id="2" name="Title 1"/>
+          <p:cNvSpPr>
+            <a:spLocks noGrp="1"/>
+          </p:cNvSpPr>
+          <p:nvPr>
+            <p:ph type="title"/>
+          </p:nvPr>
+        </p:nvSpPr>
+        <p:spPr/>
+        <p:txBody>
+          <a:bodyPr/>
+          <a:lstStyle/>
+          <a:p>
+            <a:r>
+              <a:rPr lang="en-US" dirty="0"/>
+              <a:t>Design </a:t>
+            </a:r>
+            <a:r>
+              <a:rPr lang="en-US" dirty="0" err="1"/>
+              <a:t>Protoype</a:t>
+            </a:r>
+            <a:endParaRPr lang="en-US" dirty="0"/>
+          </a:p>
+        </p:txBody>
+      </p:sp>
+      <p:sp>
+        <p:nvSpPr>
+          <p:cNvPr id="3" name="Content Placeholder 2"/>
+          <p:cNvSpPr>
+            <a:spLocks noGrp="1"/>
+          </p:cNvSpPr>
+          <p:nvPr>
+            <p:ph idx="1"/>
+          </p:nvPr>
+        </p:nvSpPr>
+        <p:spPr/>
+        <p:txBody>
+          <a:bodyPr/>
+          <a:lstStyle/>
+          <a:p>
+            <a:endParaRPr lang="en-US"/>
+          </a:p>
+        </p:txBody>
+      </p:sp>
+      <p:pic>
+        <p:nvPicPr>
+          <p:cNvPr id="4" name="Picture 3"/>
+          <p:cNvPicPr>
+            <a:picLocks noChangeAspect="1"/>
+          </p:cNvPicPr>
+          <p:nvPr/>
+        </p:nvPicPr>
+        <p:blipFill>
+          <a:blip r:embed="rId2" cstate="print">
+            <a:extLst>
+              <a:ext uri="{28A0092B-C50C-407E-A947-70E740481C1C}">
+                <a14:useLocalDpi xmlns:a14="http://schemas.microsoft.com/office/drawing/2010/main" val="0"/>
+              </a:ext>
+            </a:extLst>
+          </a:blip>
+          <a:stretch>
+            <a:fillRect/>
+          </a:stretch>
+        </p:blipFill>
+        <p:spPr>
+          <a:xfrm>
+            <a:off x="11126825" y="-1"/>
+            <a:ext cx="1065175" cy="612475"/>
+          </a:xfrm>
+          <a:prstGeom prst="rect">
+            <a:avLst/>
+          </a:prstGeom>
+        </p:spPr>
+      </p:pic>
+    </p:spTree>
+    <p:extLst>
+      <p:ext uri="{BB962C8B-B14F-4D97-AF65-F5344CB8AC3E}">
+        <p14:creationId xmlns:p14="http://schemas.microsoft.com/office/powerpoint/2010/main" val="3621188707"/>
+      </p:ext>
+    </p:extLst>
+  </p:cSld>
+  <p:clrMapOvr>
+    <a:masterClrMapping/>
+  </p:clrMapOvr>
+</p:sld>
+</file>
+
+<file path=ppt/slides/slide11.xml><?xml version="1.0" encoding="utf-8"?>
+<p:sld xmlns:a="http://schemas.openxmlformats.org/drawingml/2006/main" xmlns:r="http://schemas.openxmlformats.org/officeDocument/2006/relationships" xmlns:p="http://schemas.openxmlformats.org/presentationml/2006/main">
+  <p:cSld>
+    <p:spTree>
+      <p:nvGrpSpPr>
+        <p:cNvPr id="1" name=""/>
+        <p:cNvGrpSpPr/>
+        <p:nvPr/>
+      </p:nvGrpSpPr>
+      <p:grpSpPr>
+        <a:xfrm>
+          <a:off x="0" y="0"/>
+          <a:ext cx="0" cy="0"/>
+          <a:chOff x="0" y="0"/>
+          <a:chExt cx="0" cy="0"/>
+        </a:xfrm>
+      </p:grpSpPr>
+      <p:sp>
+        <p:nvSpPr>
+          <p:cNvPr id="2" name="Title 1"/>
+          <p:cNvSpPr>
+            <a:spLocks noGrp="1"/>
+          </p:cNvSpPr>
+          <p:nvPr>
+            <p:ph type="title"/>
+          </p:nvPr>
+        </p:nvSpPr>
+        <p:spPr/>
+        <p:txBody>
+          <a:bodyPr/>
+          <a:lstStyle/>
+          <a:p>
+            <a:r>
+              <a:rPr lang="en-US" dirty="0"/>
+              <a:t>Core System</a:t>
+            </a:r>
+          </a:p>
+        </p:txBody>
+      </p:sp>
+      <p:sp>
+        <p:nvSpPr>
+          <p:cNvPr id="3" name="Content Placeholder 2"/>
+          <p:cNvSpPr>
+            <a:spLocks noGrp="1"/>
+          </p:cNvSpPr>
+          <p:nvPr>
+            <p:ph idx="1"/>
+          </p:nvPr>
+        </p:nvSpPr>
+        <p:spPr/>
+        <p:txBody>
+          <a:bodyPr/>
+          <a:lstStyle/>
+          <a:p>
+            <a:endParaRPr lang="en-US" dirty="0"/>
+          </a:p>
+        </p:txBody>
+      </p:sp>
+      <p:pic>
+        <p:nvPicPr>
+          <p:cNvPr id="4" name="Picture 3"/>
+          <p:cNvPicPr>
+            <a:picLocks noChangeAspect="1"/>
+          </p:cNvPicPr>
+          <p:nvPr/>
+        </p:nvPicPr>
+        <p:blipFill>
+          <a:blip r:embed="rId2" cstate="print">
+            <a:extLst>
+              <a:ext uri="{28A0092B-C50C-407E-A947-70E740481C1C}">
+                <a14:useLocalDpi xmlns:a14="http://schemas.microsoft.com/office/drawing/2010/main" val="0"/>
+              </a:ext>
+            </a:extLst>
+          </a:blip>
+          <a:stretch>
+            <a:fillRect/>
+          </a:stretch>
+        </p:blipFill>
+        <p:spPr>
+          <a:xfrm>
+            <a:off x="11126825" y="-1"/>
+            <a:ext cx="1065175" cy="612475"/>
+          </a:xfrm>
+          <a:prstGeom prst="rect">
+            <a:avLst/>
+          </a:prstGeom>
+        </p:spPr>
+      </p:pic>
+    </p:spTree>
+    <p:extLst>
+      <p:ext uri="{BB962C8B-B14F-4D97-AF65-F5344CB8AC3E}">
+        <p14:creationId xmlns:p14="http://schemas.microsoft.com/office/powerpoint/2010/main" val="2451665088"/>
+      </p:ext>
+    </p:extLst>
+  </p:cSld>
+  <p:clrMapOvr>
+    <a:masterClrMapping/>
+  </p:clrMapOvr>
 </p:sld>
 </file>
 
@@ -3104,10 +3285,9 @@
           <a:lstStyle/>
           <a:p>
             <a:r>
-              <a:rPr lang="en-US" dirty="0" smtClean="0"/>
+              <a:rPr lang="en-US" dirty="0"/>
               <a:t>The Dream Team</a:t>
             </a:r>
-            <a:endParaRPr lang="en-US" dirty="0"/>
           </a:p>
         </p:txBody>
       </p:sp>
@@ -3127,48 +3307,43 @@
           <a:lstStyle/>
           <a:p>
             <a:r>
-              <a:rPr lang="en-US" dirty="0" smtClean="0"/>
+              <a:rPr lang="en-US" dirty="0"/>
               <a:t>Bar Ben-</a:t>
             </a:r>
             <a:r>
-              <a:rPr lang="en-US" dirty="0" err="1" smtClean="0"/>
+              <a:rPr lang="en-US" dirty="0" err="1"/>
               <a:t>zvi</a:t>
             </a:r>
             <a:r>
               <a:rPr lang="en-US" dirty="0"/>
-              <a:t> </a:t>
-            </a:r>
-            <a:r>
-              <a:rPr lang="en-US" dirty="0" smtClean="0"/>
-              <a:t>– Design Director</a:t>
-            </a:r>
-          </a:p>
-          <a:p>
-            <a:r>
-              <a:rPr lang="en-US" dirty="0" smtClean="0"/>
+              <a:t> – Design Director</a:t>
+            </a:r>
+          </a:p>
+          <a:p>
+            <a:r>
+              <a:rPr lang="en-US" dirty="0"/>
               <a:t>Eli Miller – Technical Director</a:t>
             </a:r>
           </a:p>
           <a:p>
             <a:r>
-              <a:rPr lang="en-US" dirty="0" smtClean="0"/>
+              <a:rPr lang="en-US" dirty="0"/>
               <a:t>Hunter Starr –Art Director</a:t>
             </a:r>
           </a:p>
           <a:p>
             <a:r>
-              <a:rPr lang="en-US" dirty="0" smtClean="0"/>
+              <a:rPr lang="en-US" dirty="0"/>
               <a:t>Nelson </a:t>
             </a:r>
             <a:r>
-              <a:rPr lang="en-US" dirty="0" err="1" smtClean="0"/>
+              <a:rPr lang="en-US" dirty="0" err="1"/>
               <a:t>Athow</a:t>
             </a:r>
             <a:r>
-              <a:rPr lang="en-US" dirty="0" smtClean="0"/>
+              <a:rPr lang="en-US" dirty="0"/>
               <a:t> - Producer</a:t>
             </a:r>
-            <a:endParaRPr lang="en-US" dirty="0"/>
           </a:p>
         </p:txBody>
       </p:sp>
@@ -3212,13 +3387,6 @@
   <p:clrMapOvr>
     <a:masterClrMapping/>
   </p:clrMapOvr>
-  <p:timing>
-    <p:tnLst>
-      <p:par>
-        <p:cTn id="1" dur="indefinite" restart="never" nodeType="tmRoot"/>
-      </p:par>
-    </p:tnLst>
-  </p:timing>
 </p:sld>
 </file>
 
@@ -3255,10 +3423,9 @@
           <a:lstStyle/>
           <a:p>
             <a:r>
-              <a:rPr lang="en-US" dirty="0" smtClean="0"/>
+              <a:rPr lang="en-US" dirty="0"/>
               <a:t>Art Theme</a:t>
             </a:r>
-            <a:endParaRPr lang="en-US" dirty="0"/>
           </a:p>
         </p:txBody>
       </p:sp>
@@ -3321,13 +3488,6 @@
   <p:clrMapOvr>
     <a:masterClrMapping/>
   </p:clrMapOvr>
-  <p:timing>
-    <p:tnLst>
-      <p:par>
-        <p:cTn id="1" dur="indefinite" restart="never" nodeType="tmRoot"/>
-      </p:par>
-    </p:tnLst>
-  </p:timing>
 </p:sld>
 </file>
 
@@ -3364,10 +3524,9 @@
           <a:lstStyle/>
           <a:p>
             <a:r>
-              <a:rPr lang="en-US" dirty="0" smtClean="0"/>
+              <a:rPr lang="en-US" dirty="0"/>
               <a:t>Art Samples</a:t>
             </a:r>
-            <a:endParaRPr lang="en-US" dirty="0"/>
           </a:p>
         </p:txBody>
       </p:sp>
@@ -3430,13 +3589,6 @@
   <p:clrMapOvr>
     <a:masterClrMapping/>
   </p:clrMapOvr>
-  <p:timing>
-    <p:tnLst>
-      <p:par>
-        <p:cTn id="1" dur="indefinite" restart="never" nodeType="tmRoot"/>
-      </p:par>
-    </p:tnLst>
-  </p:timing>
 </p:sld>
 </file>
 
@@ -3473,10 +3625,384 @@
           <a:lstStyle/>
           <a:p>
             <a:r>
-              <a:rPr lang="en-US" dirty="0" smtClean="0"/>
+              <a:rPr lang="en-US" dirty="0"/>
+              <a:t>Area 1</a:t>
+            </a:r>
+          </a:p>
+        </p:txBody>
+      </p:sp>
+      <p:pic>
+        <p:nvPicPr>
+          <p:cNvPr id="4" name="Picture 3"/>
+          <p:cNvPicPr>
+            <a:picLocks noChangeAspect="1"/>
+          </p:cNvPicPr>
+          <p:nvPr/>
+        </p:nvPicPr>
+        <p:blipFill>
+          <a:blip r:embed="rId2" cstate="print">
+            <a:extLst>
+              <a:ext uri="{28A0092B-C50C-407E-A947-70E740481C1C}">
+                <a14:useLocalDpi xmlns:a14="http://schemas.microsoft.com/office/drawing/2010/main" val="0"/>
+              </a:ext>
+            </a:extLst>
+          </a:blip>
+          <a:stretch>
+            <a:fillRect/>
+          </a:stretch>
+        </p:blipFill>
+        <p:spPr>
+          <a:xfrm>
+            <a:off x="11126825" y="-1"/>
+            <a:ext cx="1065175" cy="612475"/>
+          </a:xfrm>
+          <a:prstGeom prst="rect">
+            <a:avLst/>
+          </a:prstGeom>
+        </p:spPr>
+      </p:pic>
+      <p:pic>
+        <p:nvPicPr>
+          <p:cNvPr id="1026" name="Picture 2" descr="https://s-media-cache-ak0.pinimg.com/736x/7e/e5/53/7ee5538a38ab9b0a4b59668504f1d413.jpg"/>
+          <p:cNvPicPr>
+            <a:picLocks noGrp="1" noChangeAspect="1" noChangeArrowheads="1"/>
+          </p:cNvPicPr>
+          <p:nvPr>
+            <p:ph idx="1"/>
+          </p:nvPr>
+        </p:nvPicPr>
+        <p:blipFill>
+          <a:blip r:embed="rId3">
+            <a:extLst>
+              <a:ext uri="{28A0092B-C50C-407E-A947-70E740481C1C}">
+                <a14:useLocalDpi xmlns:a14="http://schemas.microsoft.com/office/drawing/2010/main" val="0"/>
+              </a:ext>
+            </a:extLst>
+          </a:blip>
+          <a:srcRect/>
+          <a:stretch>
+            <a:fillRect/>
+          </a:stretch>
+        </p:blipFill>
+        <p:spPr bwMode="auto">
+          <a:xfrm>
+            <a:off x="2590800" y="1901031"/>
+            <a:ext cx="7010400" cy="4200525"/>
+          </a:xfrm>
+          <a:prstGeom prst="rect">
+            <a:avLst/>
+          </a:prstGeom>
+          <a:noFill/>
+          <a:extLst>
+            <a:ext uri="{909E8E84-426E-40DD-AFC4-6F175D3DCCD1}">
+              <a14:hiddenFill xmlns:a14="http://schemas.microsoft.com/office/drawing/2010/main">
+                <a:solidFill>
+                  <a:srgbClr val="FFFFFF"/>
+                </a:solidFill>
+              </a14:hiddenFill>
+            </a:ext>
+          </a:extLst>
+        </p:spPr>
+      </p:pic>
+    </p:spTree>
+    <p:extLst>
+      <p:ext uri="{BB962C8B-B14F-4D97-AF65-F5344CB8AC3E}">
+        <p14:creationId xmlns:p14="http://schemas.microsoft.com/office/powerpoint/2010/main" val="1452065042"/>
+      </p:ext>
+    </p:extLst>
+  </p:cSld>
+  <p:clrMapOvr>
+    <a:masterClrMapping/>
+  </p:clrMapOvr>
+</p:sld>
+</file>
+
+<file path=ppt/slides/slide6.xml><?xml version="1.0" encoding="utf-8"?>
+<p:sld xmlns:a="http://schemas.openxmlformats.org/drawingml/2006/main" xmlns:r="http://schemas.openxmlformats.org/officeDocument/2006/relationships" xmlns:p="http://schemas.openxmlformats.org/presentationml/2006/main">
+  <p:cSld>
+    <p:spTree>
+      <p:nvGrpSpPr>
+        <p:cNvPr id="1" name=""/>
+        <p:cNvGrpSpPr/>
+        <p:nvPr/>
+      </p:nvGrpSpPr>
+      <p:grpSpPr>
+        <a:xfrm>
+          <a:off x="0" y="0"/>
+          <a:ext cx="0" cy="0"/>
+          <a:chOff x="0" y="0"/>
+          <a:chExt cx="0" cy="0"/>
+        </a:xfrm>
+      </p:grpSpPr>
+      <p:sp>
+        <p:nvSpPr>
+          <p:cNvPr id="2" name="Title 1"/>
+          <p:cNvSpPr>
+            <a:spLocks noGrp="1"/>
+          </p:cNvSpPr>
+          <p:nvPr>
+            <p:ph type="title"/>
+          </p:nvPr>
+        </p:nvSpPr>
+        <p:spPr/>
+        <p:txBody>
+          <a:bodyPr/>
+          <a:lstStyle/>
+          <a:p>
+            <a:r>
+              <a:rPr lang="en-US" dirty="0"/>
+              <a:t>Area 2</a:t>
+            </a:r>
+          </a:p>
+        </p:txBody>
+      </p:sp>
+      <p:pic>
+        <p:nvPicPr>
+          <p:cNvPr id="4" name="Picture 3"/>
+          <p:cNvPicPr>
+            <a:picLocks noChangeAspect="1"/>
+          </p:cNvPicPr>
+          <p:nvPr/>
+        </p:nvPicPr>
+        <p:blipFill>
+          <a:blip r:embed="rId2" cstate="print">
+            <a:extLst>
+              <a:ext uri="{28A0092B-C50C-407E-A947-70E740481C1C}">
+                <a14:useLocalDpi xmlns:a14="http://schemas.microsoft.com/office/drawing/2010/main" val="0"/>
+              </a:ext>
+            </a:extLst>
+          </a:blip>
+          <a:stretch>
+            <a:fillRect/>
+          </a:stretch>
+        </p:blipFill>
+        <p:spPr>
+          <a:xfrm>
+            <a:off x="11126825" y="-1"/>
+            <a:ext cx="1065175" cy="612475"/>
+          </a:xfrm>
+          <a:prstGeom prst="rect">
+            <a:avLst/>
+          </a:prstGeom>
+        </p:spPr>
+      </p:pic>
+      <p:pic>
+        <p:nvPicPr>
+          <p:cNvPr id="2052" name="Picture 4" descr="https://tse1.mm.bing.net/th?id=OIP.M1017c25152f03c22996c13e9189e12aeo0&amp;pid=15.1&amp;P=0&amp;w=301&amp;h=170"/>
+          <p:cNvPicPr>
+            <a:picLocks noGrp="1" noChangeAspect="1" noChangeArrowheads="1"/>
+          </p:cNvPicPr>
+          <p:nvPr>
+            <p:ph idx="1"/>
+          </p:nvPr>
+        </p:nvPicPr>
+        <p:blipFill>
+          <a:blip r:embed="rId3">
+            <a:extLst>
+              <a:ext uri="{28A0092B-C50C-407E-A947-70E740481C1C}">
+                <a14:useLocalDpi xmlns:a14="http://schemas.microsoft.com/office/drawing/2010/main" val="0"/>
+              </a:ext>
+            </a:extLst>
+          </a:blip>
+          <a:srcRect/>
+          <a:stretch>
+            <a:fillRect/>
+          </a:stretch>
+        </p:blipFill>
+        <p:spPr bwMode="auto">
+          <a:xfrm>
+            <a:off x="2771335" y="2055814"/>
+            <a:ext cx="5458265" cy="3418448"/>
+          </a:xfrm>
+          <a:prstGeom prst="rect">
+            <a:avLst/>
+          </a:prstGeom>
+          <a:noFill/>
+          <a:extLst>
+            <a:ext uri="{909E8E84-426E-40DD-AFC4-6F175D3DCCD1}">
+              <a14:hiddenFill xmlns:a14="http://schemas.microsoft.com/office/drawing/2010/main">
+                <a:solidFill>
+                  <a:srgbClr val="FFFFFF"/>
+                </a:solidFill>
+              </a14:hiddenFill>
+            </a:ext>
+          </a:extLst>
+        </p:spPr>
+      </p:pic>
+    </p:spTree>
+    <p:extLst>
+      <p:ext uri="{BB962C8B-B14F-4D97-AF65-F5344CB8AC3E}">
+        <p14:creationId xmlns:p14="http://schemas.microsoft.com/office/powerpoint/2010/main" val="1468101425"/>
+      </p:ext>
+    </p:extLst>
+  </p:cSld>
+  <p:clrMapOvr>
+    <a:masterClrMapping/>
+  </p:clrMapOvr>
+</p:sld>
+</file>
+
+<file path=ppt/slides/slide7.xml><?xml version="1.0" encoding="utf-8"?>
+<p:sld xmlns:a="http://schemas.openxmlformats.org/drawingml/2006/main" xmlns:r="http://schemas.openxmlformats.org/officeDocument/2006/relationships" xmlns:p="http://schemas.openxmlformats.org/presentationml/2006/main">
+  <p:cSld>
+    <p:spTree>
+      <p:nvGrpSpPr>
+        <p:cNvPr id="1" name=""/>
+        <p:cNvGrpSpPr/>
+        <p:nvPr/>
+      </p:nvGrpSpPr>
+      <p:grpSpPr>
+        <a:xfrm>
+          <a:off x="0" y="0"/>
+          <a:ext cx="0" cy="0"/>
+          <a:chOff x="0" y="0"/>
+          <a:chExt cx="0" cy="0"/>
+        </a:xfrm>
+      </p:grpSpPr>
+      <p:sp>
+        <p:nvSpPr>
+          <p:cNvPr id="2" name="Title 1"/>
+          <p:cNvSpPr>
+            <a:spLocks noGrp="1"/>
+          </p:cNvSpPr>
+          <p:nvPr>
+            <p:ph type="title"/>
+          </p:nvPr>
+        </p:nvSpPr>
+        <p:spPr/>
+        <p:txBody>
+          <a:bodyPr/>
+          <a:lstStyle/>
+          <a:p>
+            <a:r>
+              <a:rPr lang="en-US" dirty="0"/>
+              <a:t>Area 3</a:t>
+            </a:r>
+          </a:p>
+        </p:txBody>
+      </p:sp>
+      <p:pic>
+        <p:nvPicPr>
+          <p:cNvPr id="4" name="Picture 3"/>
+          <p:cNvPicPr>
+            <a:picLocks noChangeAspect="1"/>
+          </p:cNvPicPr>
+          <p:nvPr/>
+        </p:nvPicPr>
+        <p:blipFill>
+          <a:blip r:embed="rId2" cstate="print">
+            <a:extLst>
+              <a:ext uri="{28A0092B-C50C-407E-A947-70E740481C1C}">
+                <a14:useLocalDpi xmlns:a14="http://schemas.microsoft.com/office/drawing/2010/main" val="0"/>
+              </a:ext>
+            </a:extLst>
+          </a:blip>
+          <a:stretch>
+            <a:fillRect/>
+          </a:stretch>
+        </p:blipFill>
+        <p:spPr>
+          <a:xfrm>
+            <a:off x="11126825" y="-1"/>
+            <a:ext cx="1065175" cy="612475"/>
+          </a:xfrm>
+          <a:prstGeom prst="rect">
+            <a:avLst/>
+          </a:prstGeom>
+        </p:spPr>
+      </p:pic>
+      <p:pic>
+        <p:nvPicPr>
+          <p:cNvPr id="3074" name="Picture 2" descr="https://www.gamedevmarket.net/media/get/cc_7f0a519d7087723dc3febcc1bad09c20aa18f6d5.jpg"/>
+          <p:cNvPicPr>
+            <a:picLocks noGrp="1" noChangeAspect="1" noChangeArrowheads="1"/>
+          </p:cNvPicPr>
+          <p:nvPr>
+            <p:ph idx="1"/>
+          </p:nvPr>
+        </p:nvPicPr>
+        <p:blipFill>
+          <a:blip r:embed="rId3">
+            <a:extLst>
+              <a:ext uri="{28A0092B-C50C-407E-A947-70E740481C1C}">
+                <a14:useLocalDpi xmlns:a14="http://schemas.microsoft.com/office/drawing/2010/main" val="0"/>
+              </a:ext>
+            </a:extLst>
+          </a:blip>
+          <a:srcRect/>
+          <a:stretch>
+            <a:fillRect/>
+          </a:stretch>
+        </p:blipFill>
+        <p:spPr bwMode="auto">
+          <a:xfrm>
+            <a:off x="2579370" y="2055814"/>
+            <a:ext cx="6663104" cy="3753390"/>
+          </a:xfrm>
+          <a:prstGeom prst="rect">
+            <a:avLst/>
+          </a:prstGeom>
+          <a:noFill/>
+          <a:extLst>
+            <a:ext uri="{909E8E84-426E-40DD-AFC4-6F175D3DCCD1}">
+              <a14:hiddenFill xmlns:a14="http://schemas.microsoft.com/office/drawing/2010/main">
+                <a:solidFill>
+                  <a:srgbClr val="FFFFFF"/>
+                </a:solidFill>
+              </a14:hiddenFill>
+            </a:ext>
+          </a:extLst>
+        </p:spPr>
+      </p:pic>
+    </p:spTree>
+    <p:extLst>
+      <p:ext uri="{BB962C8B-B14F-4D97-AF65-F5344CB8AC3E}">
+        <p14:creationId xmlns:p14="http://schemas.microsoft.com/office/powerpoint/2010/main" val="1603510201"/>
+      </p:ext>
+    </p:extLst>
+  </p:cSld>
+  <p:clrMapOvr>
+    <a:masterClrMapping/>
+  </p:clrMapOvr>
+</p:sld>
+</file>
+
+<file path=ppt/slides/slide8.xml><?xml version="1.0" encoding="utf-8"?>
+<p:sld xmlns:a="http://schemas.openxmlformats.org/drawingml/2006/main" xmlns:r="http://schemas.openxmlformats.org/officeDocument/2006/relationships" xmlns:p="http://schemas.openxmlformats.org/presentationml/2006/main">
+  <p:cSld>
+    <p:spTree>
+      <p:nvGrpSpPr>
+        <p:cNvPr id="1" name=""/>
+        <p:cNvGrpSpPr/>
+        <p:nvPr/>
+      </p:nvGrpSpPr>
+      <p:grpSpPr>
+        <a:xfrm>
+          <a:off x="0" y="0"/>
+          <a:ext cx="0" cy="0"/>
+          <a:chOff x="0" y="0"/>
+          <a:chExt cx="0" cy="0"/>
+        </a:xfrm>
+      </p:grpSpPr>
+      <p:sp>
+        <p:nvSpPr>
+          <p:cNvPr id="2" name="Title 1"/>
+          <p:cNvSpPr>
+            <a:spLocks noGrp="1"/>
+          </p:cNvSpPr>
+          <p:nvPr>
+            <p:ph type="title"/>
+          </p:nvPr>
+        </p:nvSpPr>
+        <p:spPr/>
+        <p:txBody>
+          <a:bodyPr/>
+          <a:lstStyle/>
+          <a:p>
+            <a:r>
+              <a:rPr lang="en-US" dirty="0"/>
               <a:t>Audio Theme</a:t>
             </a:r>
-            <a:endParaRPr lang="en-US" dirty="0"/>
           </a:p>
         </p:txBody>
       </p:sp>
@@ -3539,17 +4065,10 @@
   <p:clrMapOvr>
     <a:masterClrMapping/>
   </p:clrMapOvr>
-  <p:timing>
-    <p:tnLst>
-      <p:par>
-        <p:cTn id="1" dur="indefinite" restart="never" nodeType="tmRoot"/>
-      </p:par>
-    </p:tnLst>
-  </p:timing>
 </p:sld>
 </file>
 
-<file path=ppt/slides/slide6.xml><?xml version="1.0" encoding="utf-8"?>
+<file path=ppt/slides/slide9.xml><?xml version="1.0" encoding="utf-8"?>
 <p:sld xmlns:a="http://schemas.openxmlformats.org/drawingml/2006/main" xmlns:r="http://schemas.openxmlformats.org/officeDocument/2006/relationships" xmlns:p="http://schemas.openxmlformats.org/presentationml/2006/main">
   <p:cSld>
     <p:spTree>
@@ -3582,10 +4101,9 @@
           <a:lstStyle/>
           <a:p>
             <a:r>
-              <a:rPr lang="en-US" dirty="0" smtClean="0"/>
+              <a:rPr lang="en-US" dirty="0"/>
               <a:t>Audio Samples</a:t>
             </a:r>
-            <a:endParaRPr lang="en-US" dirty="0"/>
           </a:p>
         </p:txBody>
       </p:sp>
@@ -3648,235 +4166,6 @@
   <p:clrMapOvr>
     <a:masterClrMapping/>
   </p:clrMapOvr>
-  <p:timing>
-    <p:tnLst>
-      <p:par>
-        <p:cTn id="1" dur="indefinite" restart="never" nodeType="tmRoot"/>
-      </p:par>
-    </p:tnLst>
-  </p:timing>
-</p:sld>
-</file>
-
-<file path=ppt/slides/slide7.xml><?xml version="1.0" encoding="utf-8"?>
-<p:sld xmlns:a="http://schemas.openxmlformats.org/drawingml/2006/main" xmlns:r="http://schemas.openxmlformats.org/officeDocument/2006/relationships" xmlns:p="http://schemas.openxmlformats.org/presentationml/2006/main">
-  <p:cSld>
-    <p:spTree>
-      <p:nvGrpSpPr>
-        <p:cNvPr id="1" name=""/>
-        <p:cNvGrpSpPr/>
-        <p:nvPr/>
-      </p:nvGrpSpPr>
-      <p:grpSpPr>
-        <a:xfrm>
-          <a:off x="0" y="0"/>
-          <a:ext cx="0" cy="0"/>
-          <a:chOff x="0" y="0"/>
-          <a:chExt cx="0" cy="0"/>
-        </a:xfrm>
-      </p:grpSpPr>
-      <p:sp>
-        <p:nvSpPr>
-          <p:cNvPr id="2" name="Title 1"/>
-          <p:cNvSpPr>
-            <a:spLocks noGrp="1"/>
-          </p:cNvSpPr>
-          <p:nvPr>
-            <p:ph type="title"/>
-          </p:nvPr>
-        </p:nvSpPr>
-        <p:spPr/>
-        <p:txBody>
-          <a:bodyPr/>
-          <a:lstStyle/>
-          <a:p>
-            <a:r>
-              <a:rPr lang="en-US" dirty="0" smtClean="0"/>
-              <a:t>Design </a:t>
-            </a:r>
-            <a:r>
-              <a:rPr lang="en-US" dirty="0" err="1" smtClean="0"/>
-              <a:t>Protoype</a:t>
-            </a:r>
-            <a:endParaRPr lang="en-US" dirty="0"/>
-          </a:p>
-        </p:txBody>
-      </p:sp>
-      <p:sp>
-        <p:nvSpPr>
-          <p:cNvPr id="3" name="Content Placeholder 2"/>
-          <p:cNvSpPr>
-            <a:spLocks noGrp="1"/>
-          </p:cNvSpPr>
-          <p:nvPr>
-            <p:ph idx="1"/>
-          </p:nvPr>
-        </p:nvSpPr>
-        <p:spPr/>
-        <p:txBody>
-          <a:bodyPr/>
-          <a:lstStyle/>
-          <a:p>
-            <a:endParaRPr lang="en-US"/>
-          </a:p>
-        </p:txBody>
-      </p:sp>
-      <p:pic>
-        <p:nvPicPr>
-          <p:cNvPr id="4" name="Picture 3"/>
-          <p:cNvPicPr>
-            <a:picLocks noChangeAspect="1"/>
-          </p:cNvPicPr>
-          <p:nvPr/>
-        </p:nvPicPr>
-        <p:blipFill>
-          <a:blip r:embed="rId2" cstate="print">
-            <a:extLst>
-              <a:ext uri="{28A0092B-C50C-407E-A947-70E740481C1C}">
-                <a14:useLocalDpi xmlns:a14="http://schemas.microsoft.com/office/drawing/2010/main" val="0"/>
-              </a:ext>
-            </a:extLst>
-          </a:blip>
-          <a:stretch>
-            <a:fillRect/>
-          </a:stretch>
-        </p:blipFill>
-        <p:spPr>
-          <a:xfrm>
-            <a:off x="11126825" y="-1"/>
-            <a:ext cx="1065175" cy="612475"/>
-          </a:xfrm>
-          <a:prstGeom prst="rect">
-            <a:avLst/>
-          </a:prstGeom>
-        </p:spPr>
-      </p:pic>
-    </p:spTree>
-    <p:extLst>
-      <p:ext uri="{BB962C8B-B14F-4D97-AF65-F5344CB8AC3E}">
-        <p14:creationId xmlns:p14="http://schemas.microsoft.com/office/powerpoint/2010/main" val="3621188707"/>
-      </p:ext>
-    </p:extLst>
-  </p:cSld>
-  <p:clrMapOvr>
-    <a:masterClrMapping/>
-  </p:clrMapOvr>
-  <p:timing>
-    <p:tnLst>
-      <p:par>
-        <p:cTn id="1" dur="indefinite" restart="never" nodeType="tmRoot"/>
-      </p:par>
-    </p:tnLst>
-  </p:timing>
-</p:sld>
-</file>
-
-<file path=ppt/slides/slide8.xml><?xml version="1.0" encoding="utf-8"?>
-<p:sld xmlns:a="http://schemas.openxmlformats.org/drawingml/2006/main" xmlns:r="http://schemas.openxmlformats.org/officeDocument/2006/relationships" xmlns:p="http://schemas.openxmlformats.org/presentationml/2006/main">
-  <p:cSld>
-    <p:spTree>
-      <p:nvGrpSpPr>
-        <p:cNvPr id="1" name=""/>
-        <p:cNvGrpSpPr/>
-        <p:nvPr/>
-      </p:nvGrpSpPr>
-      <p:grpSpPr>
-        <a:xfrm>
-          <a:off x="0" y="0"/>
-          <a:ext cx="0" cy="0"/>
-          <a:chOff x="0" y="0"/>
-          <a:chExt cx="0" cy="0"/>
-        </a:xfrm>
-      </p:grpSpPr>
-      <p:sp>
-        <p:nvSpPr>
-          <p:cNvPr id="2" name="Title 1"/>
-          <p:cNvSpPr>
-            <a:spLocks noGrp="1"/>
-          </p:cNvSpPr>
-          <p:nvPr>
-            <p:ph type="title"/>
-          </p:nvPr>
-        </p:nvSpPr>
-        <p:spPr/>
-        <p:txBody>
-          <a:bodyPr/>
-          <a:lstStyle/>
-          <a:p>
-            <a:r>
-              <a:rPr lang="en-US" dirty="0" smtClean="0"/>
-              <a:t>Core System</a:t>
-            </a:r>
-            <a:endParaRPr lang="en-US" dirty="0"/>
-          </a:p>
-        </p:txBody>
-      </p:sp>
-      <p:sp>
-        <p:nvSpPr>
-          <p:cNvPr id="3" name="Content Placeholder 2"/>
-          <p:cNvSpPr>
-            <a:spLocks noGrp="1"/>
-          </p:cNvSpPr>
-          <p:nvPr>
-            <p:ph idx="1"/>
-          </p:nvPr>
-        </p:nvSpPr>
-        <p:spPr/>
-        <p:txBody>
-          <a:bodyPr/>
-          <a:lstStyle/>
-          <a:p>
-            <a:endParaRPr lang="en-US" dirty="0"/>
-          </a:p>
-        </p:txBody>
-      </p:sp>
-      <p:pic>
-        <p:nvPicPr>
-          <p:cNvPr id="4" name="Picture 3"/>
-          <p:cNvPicPr>
-            <a:picLocks noChangeAspect="1"/>
-          </p:cNvPicPr>
-          <p:nvPr/>
-        </p:nvPicPr>
-        <p:blipFill>
-          <a:blip r:embed="rId2" cstate="print">
-            <a:extLst>
-              <a:ext uri="{28A0092B-C50C-407E-A947-70E740481C1C}">
-                <a14:useLocalDpi xmlns:a14="http://schemas.microsoft.com/office/drawing/2010/main" val="0"/>
-              </a:ext>
-            </a:extLst>
-          </a:blip>
-          <a:stretch>
-            <a:fillRect/>
-          </a:stretch>
-        </p:blipFill>
-        <p:spPr>
-          <a:xfrm>
-            <a:off x="11126825" y="-1"/>
-            <a:ext cx="1065175" cy="612475"/>
-          </a:xfrm>
-          <a:prstGeom prst="rect">
-            <a:avLst/>
-          </a:prstGeom>
-        </p:spPr>
-      </p:pic>
-    </p:spTree>
-    <p:extLst>
-      <p:ext uri="{BB962C8B-B14F-4D97-AF65-F5344CB8AC3E}">
-        <p14:creationId xmlns:p14="http://schemas.microsoft.com/office/powerpoint/2010/main" val="2451665088"/>
-      </p:ext>
-    </p:extLst>
-  </p:cSld>
-  <p:clrMapOvr>
-    <a:masterClrMapping/>
-  </p:clrMapOvr>
-  <p:timing>
-    <p:tnLst>
-      <p:par>
-        <p:cTn id="1" dur="indefinite" restart="never" nodeType="tmRoot"/>
-      </p:par>
-    </p:tnLst>
-  </p:timing>
 </p:sld>
 </file>
 
